--- a/doc/JSindo/usage.pptx
+++ b/doc/JSindo/usage.pptx
@@ -6,15 +6,11 @@
   </p:sldMasterIdLst>
   <p:sldIdLst>
     <p:sldId id="256" r:id="rId2"/>
-    <p:sldId id="258" r:id="rId3"/>
-    <p:sldId id="257" r:id="rId4"/>
-    <p:sldId id="259" r:id="rId5"/>
-    <p:sldId id="260" r:id="rId6"/>
-    <p:sldId id="262" r:id="rId7"/>
-    <p:sldId id="263" r:id="rId8"/>
-    <p:sldId id="265" r:id="rId9"/>
-    <p:sldId id="268" r:id="rId10"/>
-    <p:sldId id="264" r:id="rId11"/>
+    <p:sldId id="270" r:id="rId3"/>
+    <p:sldId id="271" r:id="rId4"/>
+    <p:sldId id="272" r:id="rId5"/>
+    <p:sldId id="269" r:id="rId6"/>
+    <p:sldId id="264" r:id="rId7"/>
   </p:sldIdLst>
   <p:sldSz cx="9144000" cy="6858000" type="screen4x3"/>
   <p:notesSz cx="6858000" cy="9144000"/>
@@ -252,7 +248,7 @@
           <a:p>
             <a:fld id="{71D277D7-4148-D542-93DC-F1390B661C12}" type="datetimeFigureOut">
               <a:rPr kumimoji="1" lang="ja-JP" altLang="en-US" smtClean="0"/>
-              <a:t>2018/2/20</a:t>
+              <a:t>2018/2/24</a:t>
             </a:fld>
             <a:endParaRPr kumimoji="1" lang="ja-JP" altLang="en-US"/>
           </a:p>
@@ -449,7 +445,7 @@
           <a:p>
             <a:fld id="{71D277D7-4148-D542-93DC-F1390B661C12}" type="datetimeFigureOut">
               <a:rPr kumimoji="1" lang="ja-JP" altLang="en-US" smtClean="0"/>
-              <a:t>2018/2/20</a:t>
+              <a:t>2018/2/24</a:t>
             </a:fld>
             <a:endParaRPr kumimoji="1" lang="ja-JP" altLang="en-US"/>
           </a:p>
@@ -656,7 +652,7 @@
           <a:p>
             <a:fld id="{71D277D7-4148-D542-93DC-F1390B661C12}" type="datetimeFigureOut">
               <a:rPr kumimoji="1" lang="ja-JP" altLang="en-US" smtClean="0"/>
-              <a:t>2018/2/20</a:t>
+              <a:t>2018/2/24</a:t>
             </a:fld>
             <a:endParaRPr kumimoji="1" lang="ja-JP" altLang="en-US"/>
           </a:p>
@@ -853,7 +849,7 @@
           <a:p>
             <a:fld id="{71D277D7-4148-D542-93DC-F1390B661C12}" type="datetimeFigureOut">
               <a:rPr kumimoji="1" lang="ja-JP" altLang="en-US" smtClean="0"/>
-              <a:t>2018/2/20</a:t>
+              <a:t>2018/2/24</a:t>
             </a:fld>
             <a:endParaRPr kumimoji="1" lang="ja-JP" altLang="en-US"/>
           </a:p>
@@ -1092,7 +1088,7 @@
           <a:p>
             <a:fld id="{71D277D7-4148-D542-93DC-F1390B661C12}" type="datetimeFigureOut">
               <a:rPr kumimoji="1" lang="ja-JP" altLang="en-US" smtClean="0"/>
-              <a:t>2018/2/20</a:t>
+              <a:t>2018/2/24</a:t>
             </a:fld>
             <a:endParaRPr kumimoji="1" lang="ja-JP" altLang="en-US"/>
           </a:p>
@@ -1383,7 +1379,7 @@
           <a:p>
             <a:fld id="{71D277D7-4148-D542-93DC-F1390B661C12}" type="datetimeFigureOut">
               <a:rPr kumimoji="1" lang="ja-JP" altLang="en-US" smtClean="0"/>
-              <a:t>2018/2/20</a:t>
+              <a:t>2018/2/24</a:t>
             </a:fld>
             <a:endParaRPr kumimoji="1" lang="ja-JP" altLang="en-US"/>
           </a:p>
@@ -1809,7 +1805,7 @@
           <a:p>
             <a:fld id="{71D277D7-4148-D542-93DC-F1390B661C12}" type="datetimeFigureOut">
               <a:rPr kumimoji="1" lang="ja-JP" altLang="en-US" smtClean="0"/>
-              <a:t>2018/2/20</a:t>
+              <a:t>2018/2/24</a:t>
             </a:fld>
             <a:endParaRPr kumimoji="1" lang="ja-JP" altLang="en-US"/>
           </a:p>
@@ -1922,7 +1918,7 @@
           <a:p>
             <a:fld id="{71D277D7-4148-D542-93DC-F1390B661C12}" type="datetimeFigureOut">
               <a:rPr kumimoji="1" lang="ja-JP" altLang="en-US" smtClean="0"/>
-              <a:t>2018/2/20</a:t>
+              <a:t>2018/2/24</a:t>
             </a:fld>
             <a:endParaRPr kumimoji="1" lang="ja-JP" altLang="en-US"/>
           </a:p>
@@ -2012,7 +2008,7 @@
           <a:p>
             <a:fld id="{71D277D7-4148-D542-93DC-F1390B661C12}" type="datetimeFigureOut">
               <a:rPr kumimoji="1" lang="ja-JP" altLang="en-US" smtClean="0"/>
-              <a:t>2018/2/20</a:t>
+              <a:t>2018/2/24</a:t>
             </a:fld>
             <a:endParaRPr kumimoji="1" lang="ja-JP" altLang="en-US"/>
           </a:p>
@@ -2316,7 +2312,7 @@
           <a:p>
             <a:fld id="{71D277D7-4148-D542-93DC-F1390B661C12}" type="datetimeFigureOut">
               <a:rPr kumimoji="1" lang="ja-JP" altLang="en-US" smtClean="0"/>
-              <a:t>2018/2/20</a:t>
+              <a:t>2018/2/24</a:t>
             </a:fld>
             <a:endParaRPr kumimoji="1" lang="ja-JP" altLang="en-US"/>
           </a:p>
@@ -2568,7 +2564,7 @@
           <a:p>
             <a:fld id="{71D277D7-4148-D542-93DC-F1390B661C12}" type="datetimeFigureOut">
               <a:rPr kumimoji="1" lang="ja-JP" altLang="en-US" smtClean="0"/>
-              <a:t>2018/2/20</a:t>
+              <a:t>2018/2/24</a:t>
             </a:fld>
             <a:endParaRPr kumimoji="1" lang="ja-JP" altLang="en-US"/>
           </a:p>
@@ -2808,7 +2804,7 @@
           <a:p>
             <a:fld id="{71D277D7-4148-D542-93DC-F1390B661C12}" type="datetimeFigureOut">
               <a:rPr kumimoji="1" lang="ja-JP" altLang="en-US" smtClean="0"/>
-              <a:t>2018/2/20</a:t>
+              <a:t>2018/2/24</a:t>
             </a:fld>
             <a:endParaRPr kumimoji="1" lang="ja-JP" altLang="en-US"/>
           </a:p>
@@ -3332,486 +3328,6 @@
 </p:sld>
 </file>
 
-<file path=ppt/slides/slide10.xml><?xml version="1.0" encoding="utf-8"?>
-<p:sld xmlns:a="http://schemas.openxmlformats.org/drawingml/2006/main" xmlns:r="http://schemas.openxmlformats.org/officeDocument/2006/relationships" xmlns:p="http://schemas.openxmlformats.org/presentationml/2006/main">
-  <p:cSld>
-    <p:spTree>
-      <p:nvGrpSpPr>
-        <p:cNvPr id="1" name=""/>
-        <p:cNvGrpSpPr/>
-        <p:nvPr/>
-      </p:nvGrpSpPr>
-      <p:grpSpPr>
-        <a:xfrm>
-          <a:off x="0" y="0"/>
-          <a:ext cx="0" cy="0"/>
-          <a:chOff x="0" y="0"/>
-          <a:chExt cx="0" cy="0"/>
-        </a:xfrm>
-      </p:grpSpPr>
-      <p:sp>
-        <p:nvSpPr>
-          <p:cNvPr id="2" name="タイトル 1"/>
-          <p:cNvSpPr>
-            <a:spLocks noGrp="1"/>
-          </p:cNvSpPr>
-          <p:nvPr>
-            <p:ph type="title"/>
-          </p:nvPr>
-        </p:nvSpPr>
-        <p:spPr/>
-        <p:txBody>
-          <a:bodyPr/>
-          <a:lstStyle/>
-          <a:p>
-            <a:r>
-              <a:rPr kumimoji="1" lang="en-US" altLang="ja-JP" dirty="0" smtClean="0"/>
-              <a:t>FAQ</a:t>
-            </a:r>
-            <a:endParaRPr kumimoji="1" lang="ja-JP" altLang="en-US" dirty="0"/>
-          </a:p>
-        </p:txBody>
-      </p:sp>
-      <p:sp>
-        <p:nvSpPr>
-          <p:cNvPr id="4" name="テキスト ボックス 3"/>
-          <p:cNvSpPr txBox="1"/>
-          <p:nvPr/>
-        </p:nvSpPr>
-        <p:spPr>
-          <a:xfrm>
-            <a:off x="771117" y="957262"/>
-            <a:ext cx="7615237" cy="5355312"/>
-          </a:xfrm>
-          <a:prstGeom prst="rect">
-            <a:avLst/>
-          </a:prstGeom>
-          <a:noFill/>
-        </p:spPr>
-        <p:txBody>
-          <a:bodyPr wrap="square" rtlCol="0">
-            <a:spAutoFit/>
-          </a:bodyPr>
-          <a:lstStyle/>
-          <a:p>
-            <a:pPr marL="342900" indent="-342900">
-              <a:buFont typeface="+mj-lt"/>
-              <a:buAutoNum type="arabicPeriod"/>
-            </a:pPr>
-            <a:r>
-              <a:rPr kumimoji="1" lang="en-US" altLang="ja-JP" dirty="0" smtClean="0"/>
-              <a:t>I want to use </a:t>
-            </a:r>
-            <a:r>
-              <a:rPr kumimoji="1" lang="en-US" altLang="ja-JP" dirty="0" err="1" smtClean="0"/>
-              <a:t>JSindo</a:t>
-            </a:r>
-            <a:r>
-              <a:rPr kumimoji="1" lang="en-US" altLang="ja-JP" dirty="0" smtClean="0"/>
-              <a:t> from a command line.</a:t>
-            </a:r>
-          </a:p>
-          <a:p>
-            <a:pPr marL="342900" indent="-342900">
-              <a:buFont typeface="+mj-lt"/>
-              <a:buAutoNum type="arabicPeriod"/>
-            </a:pPr>
-            <a:endParaRPr lang="en-US" altLang="ja-JP" dirty="0" smtClean="0"/>
-          </a:p>
-          <a:p>
-            <a:pPr lvl="1"/>
-            <a:r>
-              <a:rPr lang="en-US" altLang="ja-JP" dirty="0" smtClean="0"/>
-              <a:t>You can use the following command:</a:t>
-            </a:r>
-          </a:p>
-          <a:p>
-            <a:pPr lvl="1"/>
-            <a:endParaRPr lang="en-US" altLang="ja-JP" dirty="0" smtClean="0"/>
-          </a:p>
-          <a:p>
-            <a:pPr lvl="1"/>
-            <a:endParaRPr lang="en-US" altLang="ja-JP" dirty="0"/>
-          </a:p>
-          <a:p>
-            <a:pPr lvl="1"/>
-            <a:r>
-              <a:rPr lang="en-US" altLang="ja-JP" dirty="0" smtClean="0"/>
-              <a:t>Alternatively, you may set an environment valuable, CLASSPATH</a:t>
-            </a:r>
-          </a:p>
-          <a:p>
-            <a:pPr lvl="1"/>
-            <a:endParaRPr lang="en-US" altLang="ja-JP" dirty="0"/>
-          </a:p>
-          <a:p>
-            <a:pPr lvl="1"/>
-            <a:endParaRPr lang="en-US" altLang="ja-JP" dirty="0" smtClean="0"/>
-          </a:p>
-          <a:p>
-            <a:pPr lvl="1"/>
-            <a:r>
-              <a:rPr lang="en-US" altLang="ja-JP" dirty="0" smtClean="0"/>
-              <a:t>in bash, or</a:t>
-            </a:r>
-            <a:endParaRPr lang="en-US" altLang="ja-JP" dirty="0"/>
-          </a:p>
-          <a:p>
-            <a:pPr lvl="1"/>
-            <a:endParaRPr lang="en-US" altLang="ja-JP" dirty="0" smtClean="0"/>
-          </a:p>
-          <a:p>
-            <a:pPr lvl="1"/>
-            <a:endParaRPr lang="en-US" altLang="ja-JP" dirty="0" smtClean="0"/>
-          </a:p>
-          <a:p>
-            <a:pPr lvl="1"/>
-            <a:r>
-              <a:rPr lang="en-US" altLang="ja-JP" dirty="0" smtClean="0"/>
-              <a:t>in </a:t>
-            </a:r>
-            <a:r>
-              <a:rPr lang="en-US" altLang="ja-JP" dirty="0" err="1" smtClean="0"/>
-              <a:t>csh</a:t>
-            </a:r>
-            <a:r>
-              <a:rPr lang="en-US" altLang="ja-JP" dirty="0" smtClean="0"/>
-              <a:t>/</a:t>
-            </a:r>
-            <a:r>
-              <a:rPr lang="en-US" altLang="ja-JP" dirty="0" err="1" smtClean="0"/>
-              <a:t>tcsh</a:t>
-            </a:r>
-            <a:r>
-              <a:rPr lang="en-US" altLang="ja-JP" dirty="0" smtClean="0"/>
-              <a:t>. Then, it is simple to start </a:t>
-            </a:r>
-            <a:r>
-              <a:rPr lang="en-US" altLang="ja-JP" dirty="0" err="1" smtClean="0"/>
-              <a:t>JSindo</a:t>
-            </a:r>
-            <a:r>
-              <a:rPr lang="en-US" altLang="ja-JP" dirty="0" smtClean="0"/>
-              <a:t>,</a:t>
-            </a:r>
-            <a:endParaRPr lang="en-US" altLang="ja-JP" dirty="0"/>
-          </a:p>
-          <a:p>
-            <a:pPr lvl="1"/>
-            <a:endParaRPr lang="en-US" altLang="ja-JP" dirty="0" smtClean="0"/>
-          </a:p>
-          <a:p>
-            <a:pPr lvl="1"/>
-            <a:endParaRPr lang="en-US" altLang="ja-JP" dirty="0" smtClean="0"/>
-          </a:p>
-          <a:p>
-            <a:pPr marL="342900" indent="-342900">
-              <a:buFont typeface="+mj-lt"/>
-              <a:buAutoNum type="arabicPeriod"/>
-            </a:pPr>
-            <a:endParaRPr lang="en-US" altLang="ja-JP" dirty="0"/>
-          </a:p>
-          <a:p>
-            <a:pPr marL="342900" indent="-342900">
-              <a:buFont typeface="+mj-lt"/>
-              <a:buAutoNum type="arabicPeriod"/>
-            </a:pPr>
-            <a:r>
-              <a:rPr kumimoji="1" lang="en-US" altLang="ja-JP" dirty="0" smtClean="0"/>
-              <a:t>How can I change the color?</a:t>
-            </a:r>
-          </a:p>
-          <a:p>
-            <a:pPr lvl="1"/>
-            <a:r>
-              <a:rPr lang="en-US" altLang="ja-JP" dirty="0" smtClean="0"/>
-              <a:t>Sorry, you can’t.</a:t>
-            </a:r>
-            <a:endParaRPr lang="en-US" altLang="ja-JP" dirty="0"/>
-          </a:p>
-          <a:p>
-            <a:pPr marL="342900" indent="-342900">
-              <a:buFont typeface="+mj-lt"/>
-              <a:buAutoNum type="arabicPeriod"/>
-            </a:pPr>
-            <a:endParaRPr kumimoji="1" lang="en-US" altLang="ja-JP" dirty="0" smtClean="0"/>
-          </a:p>
-          <a:p>
-            <a:pPr marL="342900" indent="-342900">
-              <a:buFont typeface="+mj-lt"/>
-              <a:buAutoNum type="arabicPeriod"/>
-            </a:pPr>
-            <a:r>
-              <a:rPr kumimoji="1" lang="en-US" altLang="ja-JP" dirty="0" err="1" smtClean="0"/>
-              <a:t>Commons.math</a:t>
-            </a:r>
-            <a:endParaRPr kumimoji="1" lang="en-US" altLang="ja-JP" dirty="0" smtClean="0"/>
-          </a:p>
-        </p:txBody>
-      </p:sp>
-      <p:sp>
-        <p:nvSpPr>
-          <p:cNvPr id="5" name="テキスト ボックス 4"/>
-          <p:cNvSpPr txBox="1"/>
-          <p:nvPr/>
-        </p:nvSpPr>
-        <p:spPr>
-          <a:xfrm>
-            <a:off x="1691945" y="1946603"/>
-            <a:ext cx="4554452" cy="276999"/>
-          </a:xfrm>
-          <a:prstGeom prst="rect">
-            <a:avLst/>
-          </a:prstGeom>
-          <a:noFill/>
-          <a:ln>
-            <a:solidFill>
-              <a:srgbClr val="00B050"/>
-            </a:solidFill>
-          </a:ln>
-        </p:spPr>
-        <p:txBody>
-          <a:bodyPr wrap="none" rtlCol="0">
-            <a:spAutoFit/>
-          </a:bodyPr>
-          <a:lstStyle/>
-          <a:p>
-            <a:r>
-              <a:rPr kumimoji="1" lang="en-US" altLang="ja-JP" sz="1200" dirty="0" smtClean="0">
-                <a:latin typeface="Courier" charset="0"/>
-                <a:ea typeface="Courier" charset="0"/>
-                <a:cs typeface="Courier" charset="0"/>
-              </a:rPr>
-              <a:t>&gt;java –</a:t>
-            </a:r>
-            <a:r>
-              <a:rPr kumimoji="1" lang="en-US" altLang="ja-JP" sz="1200" dirty="0" err="1" smtClean="0">
-                <a:latin typeface="Courier" charset="0"/>
-                <a:ea typeface="Courier" charset="0"/>
-                <a:cs typeface="Courier" charset="0"/>
-              </a:rPr>
-              <a:t>cp</a:t>
-            </a:r>
-            <a:r>
-              <a:rPr kumimoji="1" lang="en-US" altLang="ja-JP" sz="1200" dirty="0" smtClean="0">
-                <a:latin typeface="Courier" charset="0"/>
-                <a:ea typeface="Courier" charset="0"/>
-                <a:cs typeface="Courier" charset="0"/>
-              </a:rPr>
-              <a:t> /path/to/JSindo-4.0_xxxxxx.jar </a:t>
-            </a:r>
-            <a:r>
-              <a:rPr kumimoji="1" lang="en-US" altLang="ja-JP" sz="1200" dirty="0" err="1" smtClean="0">
-                <a:latin typeface="Courier" charset="0"/>
-                <a:ea typeface="Courier" charset="0"/>
-                <a:cs typeface="Courier" charset="0"/>
-              </a:rPr>
-              <a:t>JSindo</a:t>
-            </a:r>
-            <a:endParaRPr kumimoji="1" lang="ja-JP" altLang="en-US" sz="1200" dirty="0">
-              <a:latin typeface="Courier" charset="0"/>
-              <a:ea typeface="Courier" charset="0"/>
-              <a:cs typeface="Courier" charset="0"/>
-            </a:endParaRPr>
-          </a:p>
-        </p:txBody>
-      </p:sp>
-      <p:sp>
-        <p:nvSpPr>
-          <p:cNvPr id="8" name="テキスト ボックス 7"/>
-          <p:cNvSpPr txBox="1"/>
-          <p:nvPr/>
-        </p:nvSpPr>
-        <p:spPr>
-          <a:xfrm>
-            <a:off x="1691945" y="2760990"/>
-            <a:ext cx="5949064" cy="276999"/>
-          </a:xfrm>
-          <a:prstGeom prst="rect">
-            <a:avLst/>
-          </a:prstGeom>
-          <a:noFill/>
-          <a:ln>
-            <a:solidFill>
-              <a:srgbClr val="00B050"/>
-            </a:solidFill>
-          </a:ln>
-        </p:spPr>
-        <p:txBody>
-          <a:bodyPr wrap="none" rtlCol="0">
-            <a:spAutoFit/>
-          </a:bodyPr>
-          <a:lstStyle/>
-          <a:p>
-            <a:r>
-              <a:rPr lang="en-US" altLang="ja-JP" sz="1200" dirty="0" smtClean="0">
-                <a:latin typeface="Courier" charset="0"/>
-                <a:ea typeface="Courier" charset="0"/>
-                <a:cs typeface="Courier" charset="0"/>
-              </a:rPr>
-              <a:t>&gt; export </a:t>
-            </a:r>
-            <a:r>
-              <a:rPr lang="en-US" altLang="ja-JP" sz="1200" dirty="0">
-                <a:latin typeface="Courier" charset="0"/>
-                <a:ea typeface="Courier" charset="0"/>
-                <a:cs typeface="Courier" charset="0"/>
-              </a:rPr>
-              <a:t>CLASSPATH=${CLASSPATH</a:t>
-            </a:r>
-            <a:r>
-              <a:rPr lang="en-US" altLang="ja-JP" sz="1200" dirty="0" smtClean="0">
-                <a:latin typeface="Courier" charset="0"/>
-                <a:ea typeface="Courier" charset="0"/>
-                <a:cs typeface="Courier" charset="0"/>
-              </a:rPr>
-              <a:t>}:/path/to/JSindo-4.0_xxxxxx.jar</a:t>
-            </a:r>
-          </a:p>
-        </p:txBody>
-      </p:sp>
-      <p:sp>
-        <p:nvSpPr>
-          <p:cNvPr id="6" name="テキスト ボックス 5"/>
-          <p:cNvSpPr txBox="1"/>
-          <p:nvPr/>
-        </p:nvSpPr>
-        <p:spPr>
-          <a:xfrm>
-            <a:off x="1691945" y="3575377"/>
-            <a:ext cx="5949064" cy="276999"/>
-          </a:xfrm>
-          <a:prstGeom prst="rect">
-            <a:avLst/>
-          </a:prstGeom>
-          <a:noFill/>
-          <a:ln>
-            <a:solidFill>
-              <a:srgbClr val="00B050"/>
-            </a:solidFill>
-          </a:ln>
-        </p:spPr>
-        <p:txBody>
-          <a:bodyPr wrap="none" rtlCol="0">
-            <a:spAutoFit/>
-          </a:bodyPr>
-          <a:lstStyle/>
-          <a:p>
-            <a:r>
-              <a:rPr lang="en-US" altLang="ja-JP" sz="1200" dirty="0" smtClean="0">
-                <a:latin typeface="Courier" charset="0"/>
-                <a:ea typeface="Courier" charset="0"/>
-                <a:cs typeface="Courier" charset="0"/>
-              </a:rPr>
-              <a:t>&gt; </a:t>
-            </a:r>
-            <a:r>
-              <a:rPr lang="en-US" altLang="ja-JP" sz="1200" dirty="0" err="1" smtClean="0">
-                <a:latin typeface="Courier" charset="0"/>
-                <a:ea typeface="Courier" charset="0"/>
-                <a:cs typeface="Courier" charset="0"/>
-              </a:rPr>
-              <a:t>setenv</a:t>
-            </a:r>
-            <a:r>
-              <a:rPr lang="en-US" altLang="ja-JP" sz="1200" dirty="0" smtClean="0">
-                <a:latin typeface="Courier" charset="0"/>
-                <a:ea typeface="Courier" charset="0"/>
-                <a:cs typeface="Courier" charset="0"/>
-              </a:rPr>
-              <a:t> CLASSPATH ${</a:t>
-            </a:r>
-            <a:r>
-              <a:rPr lang="en-US" altLang="ja-JP" sz="1200" dirty="0">
-                <a:latin typeface="Courier" charset="0"/>
-                <a:ea typeface="Courier" charset="0"/>
-                <a:cs typeface="Courier" charset="0"/>
-              </a:rPr>
-              <a:t>CLASSPATH</a:t>
-            </a:r>
-            <a:r>
-              <a:rPr lang="en-US" altLang="ja-JP" sz="1200" dirty="0" smtClean="0">
-                <a:latin typeface="Courier" charset="0"/>
-                <a:ea typeface="Courier" charset="0"/>
-                <a:cs typeface="Courier" charset="0"/>
-              </a:rPr>
-              <a:t>}:/path/to/JSindo-4.0_xxxxxx.jar</a:t>
-            </a:r>
-          </a:p>
-        </p:txBody>
-      </p:sp>
-      <p:sp>
-        <p:nvSpPr>
-          <p:cNvPr id="7" name="テキスト ボックス 6"/>
-          <p:cNvSpPr txBox="1"/>
-          <p:nvPr/>
-        </p:nvSpPr>
-        <p:spPr>
-          <a:xfrm>
-            <a:off x="1691945" y="4389770"/>
-            <a:ext cx="1393330" cy="276999"/>
-          </a:xfrm>
-          <a:prstGeom prst="rect">
-            <a:avLst/>
-          </a:prstGeom>
-          <a:noFill/>
-          <a:ln>
-            <a:solidFill>
-              <a:srgbClr val="00B050"/>
-            </a:solidFill>
-          </a:ln>
-        </p:spPr>
-        <p:txBody>
-          <a:bodyPr wrap="none" rtlCol="0">
-            <a:spAutoFit/>
-          </a:bodyPr>
-          <a:lstStyle/>
-          <a:p>
-            <a:r>
-              <a:rPr kumimoji="1" lang="en-US" altLang="ja-JP" sz="1200" smtClean="0">
-                <a:latin typeface="Courier" charset="0"/>
-                <a:ea typeface="Courier" charset="0"/>
-                <a:cs typeface="Courier" charset="0"/>
-              </a:rPr>
-              <a:t>&gt; </a:t>
-            </a:r>
-            <a:r>
-              <a:rPr kumimoji="1" lang="en-US" altLang="ja-JP" sz="1200" dirty="0" smtClean="0">
-                <a:latin typeface="Courier" charset="0"/>
-                <a:ea typeface="Courier" charset="0"/>
-                <a:cs typeface="Courier" charset="0"/>
-              </a:rPr>
-              <a:t>java </a:t>
-            </a:r>
-            <a:r>
-              <a:rPr kumimoji="1" lang="en-US" altLang="ja-JP" sz="1200" dirty="0" err="1" smtClean="0">
-                <a:latin typeface="Courier" charset="0"/>
-                <a:ea typeface="Courier" charset="0"/>
-                <a:cs typeface="Courier" charset="0"/>
-              </a:rPr>
-              <a:t>JSindo</a:t>
-            </a:r>
-            <a:endParaRPr kumimoji="1" lang="ja-JP" altLang="en-US" sz="1200" dirty="0">
-              <a:latin typeface="Courier" charset="0"/>
-              <a:ea typeface="Courier" charset="0"/>
-              <a:cs typeface="Courier" charset="0"/>
-            </a:endParaRPr>
-          </a:p>
-        </p:txBody>
-      </p:sp>
-    </p:spTree>
-    <p:extLst>
-      <p:ext uri="{BB962C8B-B14F-4D97-AF65-F5344CB8AC3E}">
-        <p14:creationId xmlns:p14="http://schemas.microsoft.com/office/powerpoint/2010/main" val="917103730"/>
-      </p:ext>
-    </p:extLst>
-  </p:cSld>
-  <p:clrMapOvr>
-    <a:masterClrMapping/>
-  </p:clrMapOvr>
-</p:sld>
-</file>
-
 <file path=ppt/slides/slide2.xml><?xml version="1.0" encoding="utf-8"?>
 <p:sld xmlns:a="http://schemas.openxmlformats.org/drawingml/2006/main" xmlns:r="http://schemas.openxmlformats.org/officeDocument/2006/relationships" xmlns:p="http://schemas.openxmlformats.org/presentationml/2006/main">
   <p:cSld>
@@ -3845,8 +3361,16 @@
           <a:lstStyle/>
           <a:p>
             <a:r>
+              <a:rPr lang="en-US" altLang="ja-JP" dirty="0"/>
+              <a:t>1</a:t>
+            </a:r>
+            <a:r>
               <a:rPr kumimoji="1" lang="en-US" altLang="ja-JP" dirty="0" smtClean="0"/>
-              <a:t>1. Download Java</a:t>
+              <a:t>. </a:t>
+            </a:r>
+            <a:r>
+              <a:rPr kumimoji="1" lang="en-US" altLang="ja-JP" dirty="0" smtClean="0"/>
+              <a:t>File</a:t>
             </a:r>
             <a:endParaRPr kumimoji="1" lang="ja-JP" altLang="en-US" dirty="0"/>
           </a:p>
@@ -3854,36 +3378,97 @@
       </p:sp>
       <p:sp>
         <p:nvSpPr>
-          <p:cNvPr id="3" name="正方形/長方形 2"/>
-          <p:cNvSpPr/>
+          <p:cNvPr id="3" name="テキスト ボックス 2"/>
+          <p:cNvSpPr txBox="1"/>
           <p:nvPr/>
         </p:nvSpPr>
         <p:spPr>
           <a:xfrm>
-            <a:off x="1018240" y="1166836"/>
-            <a:ext cx="2693173" cy="369332"/>
+            <a:off x="666206" y="1698171"/>
+            <a:ext cx="696024" cy="369332"/>
           </a:xfrm>
           <a:prstGeom prst="rect">
             <a:avLst/>
           </a:prstGeom>
-        </p:spPr>
-        <p:txBody>
-          <a:bodyPr wrap="none">
+          <a:noFill/>
+        </p:spPr>
+        <p:txBody>
+          <a:bodyPr wrap="none" rtlCol="0">
             <a:spAutoFit/>
           </a:bodyPr>
           <a:lstStyle/>
           <a:p>
             <a:r>
-              <a:rPr lang="ja-JP" altLang="en-US" dirty="0" smtClean="0"/>
-              <a:t>https://www.java.com/en/</a:t>
-            </a:r>
-            <a:endParaRPr lang="ja-JP" altLang="en-US" dirty="0"/>
+              <a:rPr kumimoji="1" lang="en-US" altLang="ja-JP" dirty="0" smtClean="0"/>
+              <a:t>Open</a:t>
+            </a:r>
+            <a:endParaRPr kumimoji="1" lang="ja-JP" altLang="en-US" dirty="0"/>
+          </a:p>
+        </p:txBody>
+      </p:sp>
+      <p:sp>
+        <p:nvSpPr>
+          <p:cNvPr id="4" name="テキスト ボックス 3"/>
+          <p:cNvSpPr txBox="1"/>
+          <p:nvPr/>
+        </p:nvSpPr>
+        <p:spPr>
+          <a:xfrm>
+            <a:off x="666206" y="2638697"/>
+            <a:ext cx="1409040" cy="369332"/>
+          </a:xfrm>
+          <a:prstGeom prst="rect">
+            <a:avLst/>
+          </a:prstGeom>
+          <a:noFill/>
+        </p:spPr>
+        <p:txBody>
+          <a:bodyPr wrap="none" rtlCol="0">
+            <a:spAutoFit/>
+          </a:bodyPr>
+          <a:lstStyle/>
+          <a:p>
+            <a:r>
+              <a:rPr kumimoji="1" lang="en-US" altLang="ja-JP" dirty="0" smtClean="0"/>
+              <a:t>Save, Save as</a:t>
+            </a:r>
+            <a:endParaRPr kumimoji="1" lang="ja-JP" altLang="en-US" dirty="0"/>
+          </a:p>
+        </p:txBody>
+      </p:sp>
+      <p:sp>
+        <p:nvSpPr>
+          <p:cNvPr id="5" name="テキスト ボックス 4"/>
+          <p:cNvSpPr txBox="1"/>
+          <p:nvPr/>
+        </p:nvSpPr>
+        <p:spPr>
+          <a:xfrm>
+            <a:off x="666206" y="3566160"/>
+            <a:ext cx="827471" cy="369332"/>
+          </a:xfrm>
+          <a:prstGeom prst="rect">
+            <a:avLst/>
+          </a:prstGeom>
+          <a:noFill/>
+        </p:spPr>
+        <p:txBody>
+          <a:bodyPr wrap="none" rtlCol="0">
+            <a:spAutoFit/>
+          </a:bodyPr>
+          <a:lstStyle/>
+          <a:p>
+            <a:r>
+              <a:rPr kumimoji="1" lang="en-US" altLang="ja-JP" dirty="0" smtClean="0"/>
+              <a:t>Import</a:t>
+            </a:r>
+            <a:endParaRPr kumimoji="1" lang="ja-JP" altLang="en-US" dirty="0"/>
           </a:p>
         </p:txBody>
       </p:sp>
       <p:pic>
         <p:nvPicPr>
-          <p:cNvPr id="4" name="図 3"/>
+          <p:cNvPr id="6" name="図 9"/>
           <p:cNvPicPr>
             <a:picLocks noChangeAspect="1"/>
           </p:cNvPicPr>
@@ -3897,34 +3482,52 @@
               </a:ext>
             </a:extLst>
           </a:blip>
-          <a:srcRect t="1350"/>
+          <a:srcRect b="1168"/>
           <a:stretch/>
         </p:blipFill>
-        <p:spPr>
-          <a:xfrm>
-            <a:off x="1019504" y="1548570"/>
-            <a:ext cx="7136524" cy="4261633"/>
+        <p:spPr bwMode="auto">
+          <a:xfrm>
+            <a:off x="5393913" y="986805"/>
+            <a:ext cx="3404900" cy="1268257"/>
           </a:xfrm>
           <a:prstGeom prst="rect">
             <a:avLst/>
           </a:prstGeom>
+          <a:noFill/>
+          <a:ln w="9525">
+            <a:solidFill>
+              <a:srgbClr val="000000"/>
+            </a:solidFill>
+            <a:miter lim="800000"/>
+            <a:headEnd/>
+            <a:tailEnd/>
+          </a:ln>
+          <a:extLst>
+            <a:ext uri="{909E8E84-426E-40DD-AFC4-6F175D3DCCD1}">
+              <a14:hiddenFill xmlns:a14="http://schemas.microsoft.com/office/drawing/2010/main">
+                <a:solidFill>
+                  <a:srgbClr val="FFFFFF"/>
+                </a:solidFill>
+              </a14:hiddenFill>
+            </a:ext>
+          </a:extLst>
         </p:spPr>
       </p:pic>
       <p:cxnSp>
         <p:nvCxnSpPr>
-          <p:cNvPr id="6" name="直線矢印コネクタ 5"/>
+          <p:cNvPr id="7" name="直線矢印コネクタ 6"/>
           <p:cNvCxnSpPr/>
           <p:nvPr/>
         </p:nvCxnSpPr>
         <p:spPr>
-          <a:xfrm flipV="1">
-            <a:off x="3016470" y="5027495"/>
-            <a:ext cx="0" cy="1177159"/>
+          <a:xfrm>
+            <a:off x="5550185" y="1328758"/>
+            <a:ext cx="0" cy="1278485"/>
           </a:xfrm>
           <a:prstGeom prst="straightConnector1">
             <a:avLst/>
           </a:prstGeom>
-          <a:ln w="38100">
+          <a:ln w="28575">
             <a:solidFill>
               <a:srgbClr val="00B050"/>
             </a:solidFill>
@@ -3948,20 +3551,84 @@
       </p:cxnSp>
       <p:sp>
         <p:nvSpPr>
-          <p:cNvPr id="7" name="正方形/長方形 6"/>
-          <p:cNvSpPr/>
+          <p:cNvPr id="8" name="テキスト ボックス 7"/>
+          <p:cNvSpPr txBox="1"/>
           <p:nvPr/>
         </p:nvSpPr>
         <p:spPr>
           <a:xfrm>
-            <a:off x="1776248" y="4438916"/>
-            <a:ext cx="2575035" cy="578069"/>
+            <a:off x="5597499" y="1346311"/>
+            <a:ext cx="696024" cy="369332"/>
           </a:xfrm>
           <a:prstGeom prst="rect">
             <a:avLst/>
           </a:prstGeom>
           <a:noFill/>
-          <a:ln w="38100">
+        </p:spPr>
+        <p:txBody>
+          <a:bodyPr wrap="none" rtlCol="0">
+            <a:spAutoFit/>
+          </a:bodyPr>
+          <a:lstStyle/>
+          <a:p>
+            <a:r>
+              <a:rPr kumimoji="1" lang="en-US" altLang="ja-JP" dirty="0" smtClean="0"/>
+              <a:t>Open</a:t>
+            </a:r>
+            <a:endParaRPr kumimoji="1" lang="ja-JP" altLang="en-US" dirty="0"/>
+          </a:p>
+        </p:txBody>
+      </p:sp>
+      <p:pic>
+        <p:nvPicPr>
+          <p:cNvPr id="9" name="図 8"/>
+          <p:cNvPicPr>
+            <a:picLocks noChangeAspect="1"/>
+          </p:cNvPicPr>
+          <p:nvPr/>
+        </p:nvPicPr>
+        <p:blipFill rotWithShape="1">
+          <a:blip r:embed="rId3">
+            <a:extLst>
+              <a:ext uri="{28A0092B-C50C-407E-A947-70E740481C1C}">
+                <a14:useLocalDpi xmlns:a14="http://schemas.microsoft.com/office/drawing/2010/main" val="0"/>
+              </a:ext>
+            </a:extLst>
+          </a:blip>
+          <a:srcRect l="9182" t="7774" r="8854" b="19884"/>
+          <a:stretch/>
+        </p:blipFill>
+        <p:spPr>
+          <a:xfrm>
+            <a:off x="5481037" y="2694129"/>
+            <a:ext cx="2379121" cy="1328104"/>
+          </a:xfrm>
+          <a:prstGeom prst="rect">
+            <a:avLst/>
+          </a:prstGeom>
+          <a:ln>
+            <a:solidFill>
+              <a:schemeClr val="accent1"/>
+            </a:solidFill>
+          </a:ln>
+        </p:spPr>
+      </p:pic>
+      <p:sp>
+        <p:nvSpPr>
+          <p:cNvPr id="10" name="正方形/長方形 9"/>
+          <p:cNvSpPr/>
+          <p:nvPr/>
+        </p:nvSpPr>
+        <p:spPr>
+          <a:xfrm>
+            <a:off x="5527220" y="3055732"/>
+            <a:ext cx="480188" cy="141777"/>
+          </a:xfrm>
+          <a:prstGeom prst="rect">
+            <a:avLst/>
+          </a:prstGeom>
+          <a:noFill/>
+          <a:ln w="28575">
             <a:solidFill>
               <a:srgbClr val="00B050"/>
             </a:solidFill>
@@ -3993,16 +3660,52 @@
           </a:p>
         </p:txBody>
       </p:sp>
-      <p:sp>
-        <p:nvSpPr>
-          <p:cNvPr id="8" name="テキスト ボックス 7"/>
+      <p:cxnSp>
+        <p:nvCxnSpPr>
+          <p:cNvPr id="11" name="直線矢印コネクタ 10"/>
+          <p:cNvCxnSpPr/>
+          <p:nvPr/>
+        </p:nvCxnSpPr>
+        <p:spPr>
+          <a:xfrm>
+            <a:off x="7578899" y="3995652"/>
+            <a:ext cx="7181" cy="323779"/>
+          </a:xfrm>
+          <a:prstGeom prst="straightConnector1">
+            <a:avLst/>
+          </a:prstGeom>
+          <a:ln w="28575">
+            <a:solidFill>
+              <a:srgbClr val="00B050"/>
+            </a:solidFill>
+            <a:tailEnd type="triangle"/>
+          </a:ln>
+        </p:spPr>
+        <p:style>
+          <a:lnRef idx="1">
+            <a:schemeClr val="accent1"/>
+          </a:lnRef>
+          <a:fillRef idx="0">
+            <a:schemeClr val="accent1"/>
+          </a:fillRef>
+          <a:effectRef idx="0">
+            <a:schemeClr val="accent1"/>
+          </a:effectRef>
+          <a:fontRef idx="minor">
+            <a:schemeClr val="tx1"/>
+          </a:fontRef>
+        </p:style>
+      </p:cxnSp>
+      <p:sp>
+        <p:nvSpPr>
+          <p:cNvPr id="12" name="テキスト ボックス 11"/>
           <p:cNvSpPr txBox="1"/>
           <p:nvPr/>
         </p:nvSpPr>
         <p:spPr>
           <a:xfrm>
-            <a:off x="1707931" y="6257208"/>
-            <a:ext cx="4845044" cy="369332"/>
+            <a:off x="5939447" y="3134127"/>
+            <a:ext cx="1094124" cy="258837"/>
           </a:xfrm>
           <a:prstGeom prst="rect">
             <a:avLst/>
@@ -4017,16 +3720,97 @@
           <a:p>
             <a:r>
               <a:rPr kumimoji="1" lang="en-US" altLang="ja-JP" dirty="0" smtClean="0"/>
-              <a:t>click here and follow the instruction to install Java</a:t>
+              <a:t>click to choose</a:t>
             </a:r>
             <a:endParaRPr kumimoji="1" lang="ja-JP" altLang="en-US" dirty="0"/>
           </a:p>
         </p:txBody>
       </p:sp>
+      <p:sp>
+        <p:nvSpPr>
+          <p:cNvPr id="13" name="正方形/長方形 12"/>
+          <p:cNvSpPr/>
+          <p:nvPr/>
+        </p:nvSpPr>
+        <p:spPr>
+          <a:xfrm>
+            <a:off x="7395430" y="3816722"/>
+            <a:ext cx="391620" cy="150819"/>
+          </a:xfrm>
+          <a:prstGeom prst="rect">
+            <a:avLst/>
+          </a:prstGeom>
+          <a:noFill/>
+          <a:ln w="28575">
+            <a:solidFill>
+              <a:srgbClr val="00B050"/>
+            </a:solidFill>
+            <a:prstDash val="sysDash"/>
+          </a:ln>
+        </p:spPr>
+        <p:style>
+          <a:lnRef idx="2">
+            <a:schemeClr val="accent1">
+              <a:shade val="50000"/>
+            </a:schemeClr>
+          </a:lnRef>
+          <a:fillRef idx="1">
+            <a:schemeClr val="accent1"/>
+          </a:fillRef>
+          <a:effectRef idx="0">
+            <a:schemeClr val="accent1"/>
+          </a:effectRef>
+          <a:fontRef idx="minor">
+            <a:schemeClr val="lt1"/>
+          </a:fontRef>
+        </p:style>
+        <p:txBody>
+          <a:bodyPr rtlCol="0" anchor="ctr"/>
+          <a:lstStyle/>
+          <a:p>
+            <a:pPr algn="ctr"/>
+            <a:endParaRPr kumimoji="1" lang="ja-JP" altLang="en-US"/>
+          </a:p>
+        </p:txBody>
+      </p:sp>
+      <p:pic>
+        <p:nvPicPr>
+          <p:cNvPr id="14" name="図 13"/>
+          <p:cNvPicPr>
+            <a:picLocks noChangeAspect="1"/>
+          </p:cNvPicPr>
+          <p:nvPr/>
+        </p:nvPicPr>
+        <p:blipFill rotWithShape="1">
+          <a:blip r:embed="rId4">
+            <a:extLst>
+              <a:ext uri="{28A0092B-C50C-407E-A947-70E740481C1C}">
+                <a14:useLocalDpi xmlns:a14="http://schemas.microsoft.com/office/drawing/2010/main" val="0"/>
+              </a:ext>
+            </a:extLst>
+          </a:blip>
+          <a:srcRect l="9606" t="5208" r="9167" b="14212"/>
+          <a:stretch/>
+        </p:blipFill>
+        <p:spPr>
+          <a:xfrm>
+            <a:off x="6586537" y="4430320"/>
+            <a:ext cx="1943099" cy="1927617"/>
+          </a:xfrm>
+          <a:prstGeom prst="rect">
+            <a:avLst/>
+          </a:prstGeom>
+          <a:ln>
+            <a:solidFill>
+              <a:schemeClr val="accent1"/>
+            </a:solidFill>
+          </a:ln>
+        </p:spPr>
+      </p:pic>
     </p:spTree>
     <p:extLst>
       <p:ext uri="{BB962C8B-B14F-4D97-AF65-F5344CB8AC3E}">
-        <p14:creationId xmlns:p14="http://schemas.microsoft.com/office/powerpoint/2010/main" val="1850952365"/>
+        <p14:creationId xmlns:p14="http://schemas.microsoft.com/office/powerpoint/2010/main" val="161213232"/>
       </p:ext>
     </p:extLst>
   </p:cSld>
@@ -4065,18 +3849,20 @@
         </p:nvSpPr>
         <p:spPr/>
         <p:txBody>
-          <a:bodyPr>
-            <a:normAutofit/>
-          </a:bodyPr>
-          <a:lstStyle/>
-          <a:p>
-            <a:r>
-              <a:rPr lang="en-US" altLang="ja-JP" dirty="0" smtClean="0"/>
-              <a:t>2. </a:t>
+          <a:bodyPr/>
+          <a:lstStyle/>
+          <a:p>
+            <a:r>
+              <a:rPr lang="en-US" altLang="ja-JP" dirty="0"/>
+              <a:t>2</a:t>
             </a:r>
             <a:r>
               <a:rPr kumimoji="1" lang="en-US" altLang="ja-JP" dirty="0" smtClean="0"/>
-              <a:t>Setting up Java3D</a:t>
+              <a:t>. </a:t>
+            </a:r>
+            <a:r>
+              <a:rPr kumimoji="1" lang="en-US" altLang="ja-JP" dirty="0" smtClean="0"/>
+              <a:t>Show</a:t>
             </a:r>
             <a:endParaRPr kumimoji="1" lang="ja-JP" altLang="en-US" dirty="0"/>
           </a:p>
@@ -4084,186 +3870,14 @@
       </p:sp>
       <p:sp>
         <p:nvSpPr>
-          <p:cNvPr id="4" name="正方形/長方形 3"/>
-          <p:cNvSpPr/>
-          <p:nvPr/>
-        </p:nvSpPr>
-        <p:spPr>
-          <a:xfrm>
-            <a:off x="940676" y="1324126"/>
-            <a:ext cx="7709338" cy="646331"/>
-          </a:xfrm>
-          <a:prstGeom prst="rect">
-            <a:avLst/>
-          </a:prstGeom>
-        </p:spPr>
-        <p:txBody>
-          <a:bodyPr wrap="square">
-            <a:spAutoFit/>
-          </a:bodyPr>
-          <a:lstStyle/>
-          <a:p>
-            <a:r>
-              <a:rPr lang="en-US" altLang="ja-JP" dirty="0" smtClean="0"/>
-              <a:t>Search </a:t>
-            </a:r>
-            <a:r>
-              <a:rPr lang="en-US" altLang="ja-JP" dirty="0"/>
-              <a:t>for “java3d” in the </a:t>
-            </a:r>
-            <a:r>
-              <a:rPr lang="en-US" altLang="ja-JP" dirty="0" smtClean="0"/>
-              <a:t>web to find Java3D API of ORACLE,</a:t>
-            </a:r>
-            <a:endParaRPr lang="ja-JP" altLang="en-US" dirty="0"/>
-          </a:p>
-          <a:p>
-            <a:r>
-              <a:rPr lang="ja-JP" altLang="en-US" dirty="0" smtClean="0"/>
-              <a:t>http://www.oracle.com/technetwork/articles/javase/index-jsp-138252.html</a:t>
-            </a:r>
-            <a:endParaRPr lang="en-US" altLang="ja-JP" dirty="0" smtClean="0"/>
-          </a:p>
-        </p:txBody>
-      </p:sp>
-      <p:grpSp>
-        <p:nvGrpSpPr>
-          <p:cNvPr id="12" name="図形グループ 11"/>
-          <p:cNvGrpSpPr/>
-          <p:nvPr/>
-        </p:nvGrpSpPr>
-        <p:grpSpPr>
-          <a:xfrm>
-            <a:off x="1502978" y="2148840"/>
-            <a:ext cx="4957429" cy="4528045"/>
-            <a:chOff x="1713185" y="1446400"/>
-            <a:chExt cx="5924769" cy="5411600"/>
-          </a:xfrm>
-        </p:grpSpPr>
-        <p:pic>
-          <p:nvPicPr>
-            <p:cNvPr id="3" name="図 2"/>
-            <p:cNvPicPr>
-              <a:picLocks noChangeAspect="1"/>
-            </p:cNvPicPr>
-            <p:nvPr/>
-          </p:nvPicPr>
-          <p:blipFill>
-            <a:blip r:embed="rId2">
-              <a:extLst>
-                <a:ext uri="{28A0092B-C50C-407E-A947-70E740481C1C}">
-                  <a14:useLocalDpi xmlns:a14="http://schemas.microsoft.com/office/drawing/2010/main" val="0"/>
-                </a:ext>
-              </a:extLst>
-            </a:blip>
-            <a:stretch>
-              <a:fillRect/>
-            </a:stretch>
-          </p:blipFill>
-          <p:spPr>
-            <a:xfrm>
-              <a:off x="1713185" y="1446400"/>
-              <a:ext cx="5924769" cy="5411600"/>
-            </a:xfrm>
-            <a:prstGeom prst="rect">
-              <a:avLst/>
-            </a:prstGeom>
-          </p:spPr>
-        </p:pic>
-        <p:cxnSp>
-          <p:nvCxnSpPr>
-            <p:cNvPr id="5" name="直線矢印コネクタ 4"/>
-            <p:cNvCxnSpPr/>
-            <p:nvPr/>
-          </p:nvCxnSpPr>
-          <p:spPr>
-            <a:xfrm flipH="1" flipV="1">
-              <a:off x="4813738" y="5076497"/>
-              <a:ext cx="294290" cy="1051034"/>
-            </a:xfrm>
-            <a:prstGeom prst="straightConnector1">
-              <a:avLst/>
-            </a:prstGeom>
-            <a:ln w="38100">
-              <a:solidFill>
-                <a:srgbClr val="00B050"/>
-              </a:solidFill>
-              <a:tailEnd type="triangle"/>
-            </a:ln>
-          </p:spPr>
-          <p:style>
-            <a:lnRef idx="1">
-              <a:schemeClr val="accent1"/>
-            </a:lnRef>
-            <a:fillRef idx="0">
-              <a:schemeClr val="accent1"/>
-            </a:fillRef>
-            <a:effectRef idx="0">
-              <a:schemeClr val="accent1"/>
-            </a:effectRef>
-            <a:fontRef idx="minor">
-              <a:schemeClr val="tx1"/>
-            </a:fontRef>
-          </p:style>
-        </p:cxnSp>
-        <p:sp>
-          <p:nvSpPr>
-            <p:cNvPr id="6" name="正方形/長方形 5"/>
-            <p:cNvSpPr/>
-            <p:nvPr/>
-          </p:nvSpPr>
-          <p:spPr>
-            <a:xfrm>
-              <a:off x="3384332" y="4803228"/>
-              <a:ext cx="1587062" cy="199697"/>
-            </a:xfrm>
-            <a:prstGeom prst="rect">
-              <a:avLst/>
-            </a:prstGeom>
-            <a:noFill/>
-            <a:ln w="38100">
-              <a:solidFill>
-                <a:srgbClr val="00B050"/>
-              </a:solidFill>
-              <a:prstDash val="sysDash"/>
-            </a:ln>
-          </p:spPr>
-          <p:style>
-            <a:lnRef idx="2">
-              <a:schemeClr val="accent1">
-                <a:shade val="50000"/>
-              </a:schemeClr>
-            </a:lnRef>
-            <a:fillRef idx="1">
-              <a:schemeClr val="accent1"/>
-            </a:fillRef>
-            <a:effectRef idx="0">
-              <a:schemeClr val="accent1"/>
-            </a:effectRef>
-            <a:fontRef idx="minor">
-              <a:schemeClr val="lt1"/>
-            </a:fontRef>
-          </p:style>
-          <p:txBody>
-            <a:bodyPr rtlCol="0" anchor="ctr"/>
-            <a:lstStyle/>
-            <a:p>
-              <a:pPr algn="ctr"/>
-              <a:endParaRPr kumimoji="1" lang="ja-JP" altLang="en-US"/>
-            </a:p>
-          </p:txBody>
-        </p:sp>
-      </p:grpSp>
-      <p:sp>
-        <p:nvSpPr>
-          <p:cNvPr id="8" name="テキスト ボックス 7"/>
+          <p:cNvPr id="3" name="テキスト ボックス 2"/>
           <p:cNvSpPr txBox="1"/>
           <p:nvPr/>
         </p:nvSpPr>
         <p:spPr>
           <a:xfrm>
-            <a:off x="4207684" y="6054283"/>
-            <a:ext cx="1072922" cy="369332"/>
+            <a:off x="1162594" y="1750423"/>
+            <a:ext cx="1968809" cy="369332"/>
           </a:xfrm>
           <a:prstGeom prst="rect">
             <a:avLst/>
@@ -4277,8 +3891,12 @@
           <a:lstStyle/>
           <a:p>
             <a:r>
-              <a:rPr kumimoji="1" lang="en-US" altLang="ja-JP" dirty="0" smtClean="0"/>
-              <a:t>click here</a:t>
+              <a:rPr lang="en-US" altLang="ja-JP" dirty="0" smtClean="0"/>
+              <a:t>2.1</a:t>
+            </a:r>
+            <a:r>
+              <a:rPr lang="en-US" altLang="ja-JP" dirty="0" smtClean="0"/>
+              <a:t>. Label, Number</a:t>
             </a:r>
             <a:endParaRPr kumimoji="1" lang="ja-JP" altLang="en-US" dirty="0"/>
           </a:p>
@@ -4286,14 +3904,14 @@
       </p:sp>
       <p:sp>
         <p:nvSpPr>
-          <p:cNvPr id="7" name="テキスト ボックス 6"/>
+          <p:cNvPr id="4" name="テキスト ボックス 3"/>
           <p:cNvSpPr txBox="1"/>
           <p:nvPr/>
         </p:nvSpPr>
         <p:spPr>
           <a:xfrm>
-            <a:off x="640080" y="914400"/>
-            <a:ext cx="1885324" cy="461665"/>
+            <a:off x="1162594" y="2743200"/>
+            <a:ext cx="2028312" cy="369332"/>
           </a:xfrm>
           <a:prstGeom prst="rect">
             <a:avLst/>
@@ -4307,17 +3925,29 @@
           <a:lstStyle/>
           <a:p>
             <a:r>
-              <a:rPr kumimoji="1" lang="en-US" altLang="ja-JP" sz="2400" dirty="0" smtClean="0"/>
-              <a:t>2.1. Windows</a:t>
-            </a:r>
-            <a:endParaRPr kumimoji="1" lang="ja-JP" altLang="en-US" sz="2400" dirty="0"/>
+              <a:rPr lang="en-US" altLang="ja-JP" dirty="0" smtClean="0"/>
+              <a:t>2.2</a:t>
+            </a:r>
+            <a:r>
+              <a:rPr lang="en-US" altLang="ja-JP" dirty="0" smtClean="0"/>
+              <a:t>. </a:t>
+            </a:r>
+            <a:r>
+              <a:rPr lang="en-US" altLang="ja-JP" dirty="0" err="1" smtClean="0"/>
+              <a:t>Vibraional</a:t>
+            </a:r>
+            <a:r>
+              <a:rPr lang="en-US" altLang="ja-JP" dirty="0" smtClean="0"/>
+              <a:t> Data</a:t>
+            </a:r>
+            <a:endParaRPr kumimoji="1" lang="ja-JP" altLang="en-US" dirty="0"/>
           </a:p>
         </p:txBody>
       </p:sp>
     </p:spTree>
     <p:extLst>
       <p:ext uri="{BB962C8B-B14F-4D97-AF65-F5344CB8AC3E}">
-        <p14:creationId xmlns:p14="http://schemas.microsoft.com/office/powerpoint/2010/main" val="1149287813"/>
+        <p14:creationId xmlns:p14="http://schemas.microsoft.com/office/powerpoint/2010/main" val="553148508"/>
       </p:ext>
     </p:extLst>
   </p:cSld>
@@ -4346,14 +3976,45 @@
       </p:grpSpPr>
       <p:sp>
         <p:nvSpPr>
-          <p:cNvPr id="6" name="テキスト ボックス 5"/>
+          <p:cNvPr id="2" name="タイトル 1"/>
+          <p:cNvSpPr>
+            <a:spLocks noGrp="1"/>
+          </p:cNvSpPr>
+          <p:nvPr>
+            <p:ph type="title"/>
+          </p:nvPr>
+        </p:nvSpPr>
+        <p:spPr/>
+        <p:txBody>
+          <a:bodyPr/>
+          <a:lstStyle/>
+          <a:p>
+            <a:r>
+              <a:rPr lang="en-US" altLang="ja-JP" dirty="0"/>
+              <a:t>3</a:t>
+            </a:r>
+            <a:r>
+              <a:rPr kumimoji="1" lang="en-US" altLang="ja-JP" dirty="0" smtClean="0"/>
+              <a:t>. </a:t>
+            </a:r>
+            <a:r>
+              <a:rPr kumimoji="1" lang="en-US" altLang="ja-JP" dirty="0" smtClean="0"/>
+              <a:t>Tools</a:t>
+            </a:r>
+            <a:endParaRPr kumimoji="1" lang="ja-JP" altLang="en-US" dirty="0"/>
+          </a:p>
+        </p:txBody>
+      </p:sp>
+      <p:sp>
+        <p:nvSpPr>
+          <p:cNvPr id="3" name="テキスト ボックス 2"/>
           <p:cNvSpPr txBox="1"/>
           <p:nvPr/>
         </p:nvSpPr>
         <p:spPr>
           <a:xfrm>
-            <a:off x="6093081" y="195943"/>
-            <a:ext cx="1315488" cy="369332"/>
+            <a:off x="783771" y="1436914"/>
+            <a:ext cx="2306593" cy="369332"/>
           </a:xfrm>
           <a:prstGeom prst="rect">
             <a:avLst/>
@@ -4368,186 +4029,26 @@
           <a:p>
             <a:r>
               <a:rPr kumimoji="1" lang="en-US" altLang="ja-JP" dirty="0" smtClean="0"/>
-              <a:t>click accept </a:t>
+              <a:t>3.1</a:t>
+            </a:r>
+            <a:r>
+              <a:rPr kumimoji="1" lang="en-US" altLang="ja-JP" dirty="0" smtClean="0"/>
+              <a:t>. Harmonic Analysis</a:t>
             </a:r>
             <a:endParaRPr kumimoji="1" lang="ja-JP" altLang="en-US" dirty="0"/>
           </a:p>
         </p:txBody>
       </p:sp>
-      <p:grpSp>
-        <p:nvGrpSpPr>
-          <p:cNvPr id="22" name="図形グループ 21"/>
-          <p:cNvGrpSpPr/>
-          <p:nvPr/>
-        </p:nvGrpSpPr>
-        <p:grpSpPr>
-          <a:xfrm>
-            <a:off x="4663440" y="547830"/>
-            <a:ext cx="4229490" cy="1518951"/>
-            <a:chOff x="3321914" y="442155"/>
-            <a:chExt cx="4904812" cy="1761481"/>
-          </a:xfrm>
-        </p:grpSpPr>
-        <p:pic>
-          <p:nvPicPr>
-            <p:cNvPr id="3" name="図 2"/>
-            <p:cNvPicPr>
-              <a:picLocks noChangeAspect="1"/>
-            </p:cNvPicPr>
-            <p:nvPr/>
-          </p:nvPicPr>
-          <p:blipFill>
-            <a:blip r:embed="rId2">
-              <a:extLst>
-                <a:ext uri="{28A0092B-C50C-407E-A947-70E740481C1C}">
-                  <a14:useLocalDpi xmlns:a14="http://schemas.microsoft.com/office/drawing/2010/main" val="0"/>
-                </a:ext>
-              </a:extLst>
-            </a:blip>
-            <a:stretch>
-              <a:fillRect/>
-            </a:stretch>
-          </p:blipFill>
-          <p:spPr>
-            <a:xfrm>
-              <a:off x="4848543" y="442155"/>
-              <a:ext cx="3378183" cy="1761481"/>
-            </a:xfrm>
-            <a:prstGeom prst="rect">
-              <a:avLst/>
-            </a:prstGeom>
-          </p:spPr>
-        </p:pic>
-        <p:cxnSp>
-          <p:nvCxnSpPr>
-            <p:cNvPr id="4" name="直線矢印コネクタ 3"/>
-            <p:cNvCxnSpPr/>
-            <p:nvPr/>
-          </p:nvCxnSpPr>
-          <p:spPr>
-            <a:xfrm>
-              <a:off x="5644057" y="447998"/>
-              <a:ext cx="0" cy="410153"/>
-            </a:xfrm>
-            <a:prstGeom prst="straightConnector1">
-              <a:avLst/>
-            </a:prstGeom>
-            <a:ln w="38100">
-              <a:solidFill>
-                <a:srgbClr val="00B050"/>
-              </a:solidFill>
-              <a:tailEnd type="triangle"/>
-            </a:ln>
-          </p:spPr>
-          <p:style>
-            <a:lnRef idx="1">
-              <a:schemeClr val="accent1"/>
-            </a:lnRef>
-            <a:fillRef idx="0">
-              <a:schemeClr val="accent1"/>
-            </a:fillRef>
-            <a:effectRef idx="0">
-              <a:schemeClr val="accent1"/>
-            </a:effectRef>
-            <a:fontRef idx="minor">
-              <a:schemeClr val="tx1"/>
-            </a:fontRef>
-          </p:style>
-        </p:cxnSp>
-        <p:sp>
-          <p:nvSpPr>
-            <p:cNvPr id="7" name="正方形/長方形 6"/>
-            <p:cNvSpPr/>
-            <p:nvPr/>
-          </p:nvSpPr>
-          <p:spPr>
-            <a:xfrm>
-              <a:off x="6524325" y="1894114"/>
-              <a:ext cx="1402241" cy="219243"/>
-            </a:xfrm>
-            <a:prstGeom prst="rect">
-              <a:avLst/>
-            </a:prstGeom>
-            <a:noFill/>
-            <a:ln w="38100">
-              <a:solidFill>
-                <a:srgbClr val="00B050"/>
-              </a:solidFill>
-              <a:prstDash val="sysDash"/>
-            </a:ln>
-          </p:spPr>
-          <p:style>
-            <a:lnRef idx="2">
-              <a:schemeClr val="accent1">
-                <a:shade val="50000"/>
-              </a:schemeClr>
-            </a:lnRef>
-            <a:fillRef idx="1">
-              <a:schemeClr val="accent1"/>
-            </a:fillRef>
-            <a:effectRef idx="0">
-              <a:schemeClr val="accent1"/>
-            </a:effectRef>
-            <a:fontRef idx="minor">
-              <a:schemeClr val="lt1"/>
-            </a:fontRef>
-          </p:style>
-          <p:txBody>
-            <a:bodyPr rtlCol="0" anchor="ctr"/>
-            <a:lstStyle/>
-            <a:p>
-              <a:pPr algn="ctr"/>
-              <a:endParaRPr kumimoji="1" lang="ja-JP" altLang="en-US"/>
-            </a:p>
-          </p:txBody>
-        </p:sp>
-        <p:cxnSp>
-          <p:nvCxnSpPr>
-            <p:cNvPr id="8" name="直線矢印コネクタ 7"/>
-            <p:cNvCxnSpPr/>
-            <p:nvPr/>
-          </p:nvCxnSpPr>
-          <p:spPr>
-            <a:xfrm>
-              <a:off x="3321914" y="708548"/>
-              <a:ext cx="3116078" cy="1270048"/>
-            </a:xfrm>
-            <a:prstGeom prst="straightConnector1">
-              <a:avLst/>
-            </a:prstGeom>
-            <a:ln w="38100">
-              <a:solidFill>
-                <a:srgbClr val="00B050"/>
-              </a:solidFill>
-              <a:tailEnd type="triangle"/>
-            </a:ln>
-          </p:spPr>
-          <p:style>
-            <a:lnRef idx="1">
-              <a:schemeClr val="accent1"/>
-            </a:lnRef>
-            <a:fillRef idx="0">
-              <a:schemeClr val="accent1"/>
-            </a:fillRef>
-            <a:effectRef idx="0">
-              <a:schemeClr val="accent1"/>
-            </a:effectRef>
-            <a:fontRef idx="minor">
-              <a:schemeClr val="tx1"/>
-            </a:fontRef>
-          </p:style>
-        </p:cxnSp>
-      </p:grpSp>
-      <p:sp>
-        <p:nvSpPr>
-          <p:cNvPr id="10" name="テキスト ボックス 9"/>
+      <p:sp>
+        <p:nvSpPr>
+          <p:cNvPr id="4" name="テキスト ボックス 3"/>
           <p:cNvSpPr txBox="1"/>
           <p:nvPr/>
         </p:nvSpPr>
         <p:spPr>
           <a:xfrm>
-            <a:off x="730833" y="532948"/>
-            <a:ext cx="4431080" cy="923330"/>
+            <a:off x="783771" y="2560319"/>
+            <a:ext cx="2419637" cy="369332"/>
           </a:xfrm>
           <a:prstGeom prst="rect">
             <a:avLst/>
@@ -4555,656 +4056,18 @@
           <a:noFill/>
         </p:spPr>
         <p:txBody>
-          <a:bodyPr wrap="square" rtlCol="0">
-            <a:spAutoFit/>
-          </a:bodyPr>
-          <a:lstStyle/>
-          <a:p>
-            <a:r>
-              <a:rPr kumimoji="1" lang="en-US" altLang="ja-JP" dirty="0" smtClean="0"/>
-              <a:t>Choose one and download the installer. </a:t>
-            </a:r>
-          </a:p>
-          <a:p>
-            <a:pPr marL="285750" indent="-285750">
-              <a:buFont typeface="Arial" charset="0"/>
-              <a:buChar char="•"/>
-            </a:pPr>
-            <a:r>
-              <a:rPr kumimoji="1" lang="en-US" altLang="ja-JP" dirty="0" smtClean="0"/>
-              <a:t>amd64 is for 64-bit.</a:t>
-            </a:r>
-          </a:p>
-          <a:p>
-            <a:pPr marL="285750" indent="-285750">
-              <a:buFont typeface="Arial" charset="0"/>
-              <a:buChar char="•"/>
-            </a:pPr>
-            <a:r>
-              <a:rPr kumimoji="1" lang="en-US" altLang="ja-JP" dirty="0" smtClean="0"/>
-              <a:t>i586 is for 32-bit (x86).</a:t>
-            </a:r>
-          </a:p>
-        </p:txBody>
-      </p:sp>
-      <p:sp>
-        <p:nvSpPr>
-          <p:cNvPr id="11" name="正方形/長方形 10"/>
-          <p:cNvSpPr/>
-          <p:nvPr/>
-        </p:nvSpPr>
-        <p:spPr>
-          <a:xfrm>
-            <a:off x="752679" y="3327102"/>
-            <a:ext cx="8117001" cy="3416320"/>
-          </a:xfrm>
-          <a:prstGeom prst="rect">
-            <a:avLst/>
-          </a:prstGeom>
-        </p:spPr>
-        <p:txBody>
-          <a:bodyPr wrap="square">
-            <a:spAutoFit/>
-          </a:bodyPr>
-          <a:lstStyle/>
-          <a:p>
-            <a:r>
-              <a:rPr lang="en-US" altLang="ja-JP" dirty="0" smtClean="0"/>
-              <a:t>Double click the installer and follow the instruction. It will create a folder,</a:t>
-            </a:r>
-          </a:p>
-          <a:p>
-            <a:pPr lvl="1"/>
-            <a:r>
-              <a:rPr lang="en-US" altLang="ja-JP" dirty="0" smtClean="0"/>
-              <a:t>c:\Program Files\Java\Java3D (for 64-bit)</a:t>
-            </a:r>
-          </a:p>
-          <a:p>
-            <a:r>
-              <a:rPr lang="en-US" altLang="ja-JP" dirty="0" smtClean="0"/>
-              <a:t>or </a:t>
-            </a:r>
-          </a:p>
-          <a:p>
-            <a:pPr lvl="1"/>
-            <a:r>
-              <a:rPr lang="en-US" altLang="ja-JP" dirty="0" smtClean="0"/>
-              <a:t>c</a:t>
-            </a:r>
-            <a:r>
-              <a:rPr lang="en-US" altLang="ja-JP" dirty="0"/>
-              <a:t>:\Program </a:t>
-            </a:r>
-            <a:r>
-              <a:rPr lang="en-US" altLang="ja-JP" dirty="0" smtClean="0"/>
-              <a:t>Files(x86)\Java\Java3D (for 32-bit)</a:t>
-            </a:r>
-          </a:p>
-          <a:p>
-            <a:pPr lvl="1"/>
-            <a:endParaRPr lang="en-US" altLang="ja-JP" dirty="0"/>
-          </a:p>
-          <a:p>
-            <a:r>
-              <a:rPr lang="en-US" altLang="ja-JP" dirty="0" smtClean="0"/>
-              <a:t>In this folder, you will find three </a:t>
-            </a:r>
-            <a:r>
-              <a:rPr lang="en-US" altLang="ja-JP" dirty="0" err="1" smtClean="0"/>
-              <a:t>jarfiles</a:t>
-            </a:r>
-            <a:r>
-              <a:rPr lang="en-US" altLang="ja-JP" dirty="0" smtClean="0"/>
-              <a:t>,</a:t>
-            </a:r>
-            <a:endParaRPr lang="en-US" altLang="ja-JP" dirty="0"/>
-          </a:p>
-          <a:p>
-            <a:pPr lvl="1"/>
-            <a:r>
-              <a:rPr lang="en-US" altLang="ja-JP" dirty="0" smtClean="0"/>
-              <a:t>Java3D\1.5.1\lib\</a:t>
-            </a:r>
-            <a:r>
-              <a:rPr lang="en-US" altLang="ja-JP" dirty="0" err="1" smtClean="0"/>
-              <a:t>ext</a:t>
-            </a:r>
-            <a:r>
-              <a:rPr lang="en-US" altLang="ja-JP" dirty="0" smtClean="0"/>
-              <a:t>\j3dcore.jar, j3dutil.jar, </a:t>
-            </a:r>
-            <a:r>
-              <a:rPr lang="en-US" altLang="ja-JP" dirty="0" err="1" smtClean="0"/>
-              <a:t>vecmath.jar</a:t>
-            </a:r>
-            <a:endParaRPr lang="en-US" altLang="ja-JP" dirty="0" smtClean="0"/>
-          </a:p>
-          <a:p>
-            <a:endParaRPr lang="en-US" altLang="ja-JP" dirty="0"/>
-          </a:p>
-          <a:p>
-            <a:r>
-              <a:rPr lang="en-US" altLang="ja-JP" dirty="0" smtClean="0"/>
-              <a:t>Copy these </a:t>
-            </a:r>
-            <a:r>
-              <a:rPr lang="en-US" altLang="ja-JP" dirty="0" err="1" smtClean="0"/>
-              <a:t>jarfiles</a:t>
-            </a:r>
-            <a:r>
-              <a:rPr lang="en-US" altLang="ja-JP" dirty="0" smtClean="0"/>
-              <a:t> to an extension folder of JRE,</a:t>
-            </a:r>
-            <a:endParaRPr lang="en-US" altLang="ja-JP" dirty="0"/>
-          </a:p>
-          <a:p>
-            <a:pPr lvl="1"/>
-            <a:r>
-              <a:rPr lang="en-US" altLang="ja-JP" dirty="0"/>
-              <a:t>c:\Program </a:t>
-            </a:r>
-            <a:r>
-              <a:rPr lang="en-US" altLang="ja-JP" dirty="0" smtClean="0"/>
-              <a:t>Files\Java\jre1.x.x_xxx\lib\</a:t>
-            </a:r>
-            <a:r>
-              <a:rPr lang="en-US" altLang="ja-JP" dirty="0" err="1" smtClean="0"/>
-              <a:t>ext</a:t>
-            </a:r>
-            <a:r>
-              <a:rPr lang="en-US" altLang="ja-JP" dirty="0" smtClean="0"/>
-              <a:t> (for 64-bit)</a:t>
-            </a:r>
-          </a:p>
-          <a:p>
-            <a:r>
-              <a:rPr lang="en-US" altLang="ja-JP" dirty="0" smtClean="0"/>
-              <a:t>or </a:t>
-            </a:r>
-          </a:p>
-          <a:p>
-            <a:pPr lvl="1"/>
-            <a:r>
-              <a:rPr lang="en-US" altLang="ja-JP" dirty="0"/>
-              <a:t>c:\Program </a:t>
-            </a:r>
-            <a:r>
-              <a:rPr lang="en-US" altLang="ja-JP" dirty="0" smtClean="0"/>
-              <a:t>Files(x86)\Java\jre1.x.x_xxx\lib\</a:t>
-            </a:r>
-            <a:r>
-              <a:rPr lang="en-US" altLang="ja-JP" dirty="0" err="1" smtClean="0"/>
-              <a:t>ext</a:t>
-            </a:r>
-            <a:r>
-              <a:rPr lang="en-US" altLang="ja-JP" dirty="0" smtClean="0"/>
-              <a:t> (for 32-bit)</a:t>
-            </a:r>
-          </a:p>
-        </p:txBody>
-      </p:sp>
-      <p:sp>
-        <p:nvSpPr>
-          <p:cNvPr id="24" name="テキスト ボックス 23"/>
-          <p:cNvSpPr txBox="1"/>
-          <p:nvPr/>
-        </p:nvSpPr>
-        <p:spPr>
-          <a:xfrm>
-            <a:off x="1240971" y="1477712"/>
-            <a:ext cx="7380514" cy="1754326"/>
-          </a:xfrm>
-          <a:prstGeom prst="rect">
-            <a:avLst/>
-          </a:prstGeom>
-          <a:noFill/>
-        </p:spPr>
-        <p:txBody>
-          <a:bodyPr wrap="square" rtlCol="0">
-            <a:spAutoFit/>
-          </a:bodyPr>
-          <a:lstStyle/>
-          <a:p>
-            <a:r>
-              <a:rPr lang="en-US" altLang="ja-JP" dirty="0"/>
-              <a:t>If you are unsure, check the following folders,</a:t>
-            </a:r>
-          </a:p>
-          <a:p>
-            <a:pPr lvl="1"/>
-            <a:r>
-              <a:rPr lang="en-US" altLang="ja-JP" dirty="0"/>
-              <a:t>c:\Program Files\Java</a:t>
-            </a:r>
-          </a:p>
-          <a:p>
-            <a:pPr lvl="1"/>
-            <a:r>
-              <a:rPr lang="en-US" altLang="ja-JP" dirty="0"/>
-              <a:t>c:\Program Files(x86)\Java</a:t>
-            </a:r>
-          </a:p>
-          <a:p>
-            <a:r>
-              <a:rPr lang="en-US" altLang="ja-JP" dirty="0" smtClean="0"/>
-              <a:t>and </a:t>
-            </a:r>
-            <a:r>
-              <a:rPr lang="en-US" altLang="ja-JP" dirty="0"/>
-              <a:t>look for ”</a:t>
-            </a:r>
-            <a:r>
-              <a:rPr lang="en-US" altLang="ja-JP" dirty="0" err="1"/>
-              <a:t>jrex.x.x_xxx</a:t>
-            </a:r>
-            <a:r>
-              <a:rPr lang="en-US" altLang="ja-JP" dirty="0" smtClean="0"/>
-              <a:t>”. If you find it in the former, your Java is 64-bit.  If you find it in the latter, it’s 32-bit. If you find in both or multiple </a:t>
-            </a:r>
-            <a:r>
-              <a:rPr lang="en-US" altLang="ja-JP" dirty="0" err="1" smtClean="0"/>
-              <a:t>jre</a:t>
-            </a:r>
-            <a:r>
-              <a:rPr lang="en-US" altLang="ja-JP" dirty="0" smtClean="0"/>
-              <a:t> folders, please check which one is the default.</a:t>
-            </a:r>
-            <a:endParaRPr kumimoji="1" lang="en-US" altLang="ja-JP" dirty="0" smtClean="0"/>
-          </a:p>
-        </p:txBody>
-      </p:sp>
-    </p:spTree>
-    <p:extLst>
-      <p:ext uri="{BB962C8B-B14F-4D97-AF65-F5344CB8AC3E}">
-        <p14:creationId xmlns:p14="http://schemas.microsoft.com/office/powerpoint/2010/main" val="1934371664"/>
-      </p:ext>
-    </p:extLst>
-  </p:cSld>
-  <p:clrMapOvr>
-    <a:masterClrMapping/>
-  </p:clrMapOvr>
-</p:sld>
-</file>
-
-<file path=ppt/slides/slide5.xml><?xml version="1.0" encoding="utf-8"?>
-<p:sld xmlns:a="http://schemas.openxmlformats.org/drawingml/2006/main" xmlns:r="http://schemas.openxmlformats.org/officeDocument/2006/relationships" xmlns:p="http://schemas.openxmlformats.org/presentationml/2006/main">
-  <p:cSld>
-    <p:spTree>
-      <p:nvGrpSpPr>
-        <p:cNvPr id="1" name=""/>
-        <p:cNvGrpSpPr/>
-        <p:nvPr/>
-      </p:nvGrpSpPr>
-      <p:grpSpPr>
-        <a:xfrm>
-          <a:off x="0" y="0"/>
-          <a:ext cx="0" cy="0"/>
-          <a:chOff x="0" y="0"/>
-          <a:chExt cx="0" cy="0"/>
-        </a:xfrm>
-      </p:grpSpPr>
-      <p:grpSp>
-        <p:nvGrpSpPr>
-          <p:cNvPr id="6" name="図形グループ 5"/>
-          <p:cNvGrpSpPr/>
-          <p:nvPr/>
-        </p:nvGrpSpPr>
-        <p:grpSpPr>
-          <a:xfrm>
-            <a:off x="4395001" y="1531983"/>
-            <a:ext cx="3365969" cy="5136979"/>
-            <a:chOff x="4395001" y="1295125"/>
-            <a:chExt cx="3521169" cy="5373838"/>
-          </a:xfrm>
-        </p:grpSpPr>
-        <p:pic>
-          <p:nvPicPr>
-            <p:cNvPr id="25" name="図 24"/>
-            <p:cNvPicPr>
-              <a:picLocks noChangeAspect="1"/>
-            </p:cNvPicPr>
-            <p:nvPr/>
-          </p:nvPicPr>
-          <p:blipFill>
-            <a:blip r:embed="rId2">
-              <a:extLst>
-                <a:ext uri="{28A0092B-C50C-407E-A947-70E740481C1C}">
-                  <a14:useLocalDpi xmlns:a14="http://schemas.microsoft.com/office/drawing/2010/main" val="0"/>
-                </a:ext>
-              </a:extLst>
-            </a:blip>
-            <a:stretch>
-              <a:fillRect/>
-            </a:stretch>
-          </p:blipFill>
-          <p:spPr>
-            <a:xfrm>
-              <a:off x="4395001" y="1295125"/>
-              <a:ext cx="3509493" cy="2104490"/>
-            </a:xfrm>
-            <a:prstGeom prst="rect">
-              <a:avLst/>
-            </a:prstGeom>
-          </p:spPr>
-        </p:pic>
-        <p:sp>
-          <p:nvSpPr>
-            <p:cNvPr id="19" name="正方形/長方形 18"/>
-            <p:cNvSpPr/>
-            <p:nvPr/>
-          </p:nvSpPr>
-          <p:spPr>
-            <a:xfrm>
-              <a:off x="4494758" y="2305053"/>
-              <a:ext cx="1251908" cy="194563"/>
-            </a:xfrm>
-            <a:prstGeom prst="rect">
-              <a:avLst/>
-            </a:prstGeom>
-            <a:noFill/>
-            <a:ln w="28575">
-              <a:solidFill>
-                <a:srgbClr val="00B050"/>
-              </a:solidFill>
-              <a:prstDash val="sysDash"/>
-            </a:ln>
-          </p:spPr>
-          <p:style>
-            <a:lnRef idx="2">
-              <a:schemeClr val="accent1">
-                <a:shade val="50000"/>
-              </a:schemeClr>
-            </a:lnRef>
-            <a:fillRef idx="1">
-              <a:schemeClr val="accent1"/>
-            </a:fillRef>
-            <a:effectRef idx="0">
-              <a:schemeClr val="accent1"/>
-            </a:effectRef>
-            <a:fontRef idx="minor">
-              <a:schemeClr val="lt1"/>
-            </a:fontRef>
-          </p:style>
-          <p:txBody>
-            <a:bodyPr rtlCol="0" anchor="ctr"/>
-            <a:lstStyle/>
-            <a:p>
-              <a:pPr algn="ctr"/>
-              <a:endParaRPr kumimoji="1" lang="ja-JP" altLang="en-US"/>
-            </a:p>
-          </p:txBody>
-        </p:sp>
-        <p:pic>
-          <p:nvPicPr>
-            <p:cNvPr id="29" name="図 28"/>
-            <p:cNvPicPr>
-              <a:picLocks noChangeAspect="1"/>
-            </p:cNvPicPr>
-            <p:nvPr/>
-          </p:nvPicPr>
-          <p:blipFill>
-            <a:blip r:embed="rId3">
-              <a:extLst>
-                <a:ext uri="{28A0092B-C50C-407E-A947-70E740481C1C}">
-                  <a14:useLocalDpi xmlns:a14="http://schemas.microsoft.com/office/drawing/2010/main" val="0"/>
-                </a:ext>
-              </a:extLst>
-            </a:blip>
-            <a:stretch>
-              <a:fillRect/>
-            </a:stretch>
-          </p:blipFill>
-          <p:spPr>
-            <a:xfrm>
-              <a:off x="4427860" y="3636955"/>
-              <a:ext cx="3488310" cy="3032008"/>
-            </a:xfrm>
-            <a:prstGeom prst="rect">
-              <a:avLst/>
-            </a:prstGeom>
-          </p:spPr>
-        </p:pic>
-        <p:sp>
-          <p:nvSpPr>
-            <p:cNvPr id="31" name="正方形/長方形 30"/>
-            <p:cNvSpPr/>
-            <p:nvPr/>
-          </p:nvSpPr>
-          <p:spPr>
-            <a:xfrm>
-              <a:off x="4477400" y="6437559"/>
-              <a:ext cx="1251908" cy="194563"/>
-            </a:xfrm>
-            <a:prstGeom prst="rect">
-              <a:avLst/>
-            </a:prstGeom>
-            <a:noFill/>
-            <a:ln w="28575">
-              <a:solidFill>
-                <a:srgbClr val="00B050"/>
-              </a:solidFill>
-              <a:prstDash val="sysDash"/>
-            </a:ln>
-          </p:spPr>
-          <p:style>
-            <a:lnRef idx="2">
-              <a:schemeClr val="accent1">
-                <a:shade val="50000"/>
-              </a:schemeClr>
-            </a:lnRef>
-            <a:fillRef idx="1">
-              <a:schemeClr val="accent1"/>
-            </a:fillRef>
-            <a:effectRef idx="0">
-              <a:schemeClr val="accent1"/>
-            </a:effectRef>
-            <a:fontRef idx="minor">
-              <a:schemeClr val="lt1"/>
-            </a:fontRef>
-          </p:style>
-          <p:txBody>
-            <a:bodyPr rtlCol="0" anchor="ctr"/>
-            <a:lstStyle/>
-            <a:p>
-              <a:pPr algn="ctr"/>
-              <a:endParaRPr kumimoji="1" lang="ja-JP" altLang="en-US"/>
-            </a:p>
-          </p:txBody>
-        </p:sp>
-      </p:grpSp>
-      <p:sp>
-        <p:nvSpPr>
-          <p:cNvPr id="3" name="テキスト ボックス 2"/>
-          <p:cNvSpPr txBox="1"/>
-          <p:nvPr/>
-        </p:nvSpPr>
-        <p:spPr>
-          <a:xfrm>
-            <a:off x="381561" y="670661"/>
-            <a:ext cx="8567230" cy="646331"/>
-          </a:xfrm>
-          <a:prstGeom prst="rect">
-            <a:avLst/>
-          </a:prstGeom>
-          <a:noFill/>
-        </p:spPr>
-        <p:txBody>
-          <a:bodyPr wrap="square" rtlCol="0">
-            <a:spAutoFit/>
-          </a:bodyPr>
-          <a:lstStyle/>
-          <a:p>
-            <a:r>
-              <a:rPr lang="en-US" altLang="ja-JP" dirty="0" smtClean="0"/>
-              <a:t>Unfortunately, Java3D of ORACLE doesn’t work for Max OSX. Instead, we use Java3D wrapper of </a:t>
-            </a:r>
-            <a:r>
-              <a:rPr lang="en-US" altLang="ja-JP" dirty="0" err="1" smtClean="0"/>
-              <a:t>JogAmp</a:t>
-            </a:r>
-            <a:r>
-              <a:rPr lang="en-US" altLang="ja-JP" dirty="0" smtClean="0"/>
-              <a:t>. </a:t>
-            </a:r>
-            <a:r>
-              <a:rPr lang="en-US" altLang="ja-JP" dirty="0" err="1" smtClean="0"/>
-              <a:t>Goto</a:t>
-            </a:r>
-            <a:r>
-              <a:rPr lang="en-US" altLang="ja-JP" dirty="0" smtClean="0"/>
-              <a:t> http://</a:t>
-            </a:r>
-            <a:r>
-              <a:rPr lang="en-US" altLang="ja-JP" dirty="0" err="1" smtClean="0"/>
-              <a:t>jogamp.org</a:t>
-            </a:r>
-            <a:r>
-              <a:rPr lang="en-US" altLang="ja-JP" dirty="0" smtClean="0"/>
-              <a:t>,</a:t>
-            </a:r>
-            <a:endParaRPr kumimoji="1" lang="ja-JP" altLang="en-US" dirty="0"/>
-          </a:p>
-        </p:txBody>
-      </p:sp>
-      <p:pic>
-        <p:nvPicPr>
-          <p:cNvPr id="7" name="図 6"/>
-          <p:cNvPicPr>
-            <a:picLocks noChangeAspect="1"/>
-          </p:cNvPicPr>
-          <p:nvPr/>
-        </p:nvPicPr>
-        <p:blipFill>
-          <a:blip r:embed="rId4">
-            <a:extLst>
-              <a:ext uri="{28A0092B-C50C-407E-A947-70E740481C1C}">
-                <a14:useLocalDpi xmlns:a14="http://schemas.microsoft.com/office/drawing/2010/main" val="0"/>
-              </a:ext>
-            </a:extLst>
-          </a:blip>
-          <a:stretch>
-            <a:fillRect/>
-          </a:stretch>
-        </p:blipFill>
-        <p:spPr>
-          <a:xfrm>
-            <a:off x="444652" y="1483070"/>
-            <a:ext cx="3224666" cy="2796046"/>
-          </a:xfrm>
-          <a:prstGeom prst="rect">
-            <a:avLst/>
-          </a:prstGeom>
-        </p:spPr>
-      </p:pic>
-      <p:cxnSp>
-        <p:nvCxnSpPr>
-          <p:cNvPr id="8" name="直線矢印コネクタ 7"/>
-          <p:cNvCxnSpPr/>
-          <p:nvPr/>
-        </p:nvCxnSpPr>
-        <p:spPr>
-          <a:xfrm flipV="1">
-            <a:off x="1235676" y="2452762"/>
-            <a:ext cx="3090139" cy="508844"/>
-          </a:xfrm>
-          <a:prstGeom prst="straightConnector1">
-            <a:avLst/>
-          </a:prstGeom>
-          <a:ln w="28575">
-            <a:solidFill>
-              <a:srgbClr val="00B050"/>
-            </a:solidFill>
-            <a:tailEnd type="triangle"/>
-          </a:ln>
-        </p:spPr>
-        <p:style>
-          <a:lnRef idx="1">
-            <a:schemeClr val="accent1"/>
-          </a:lnRef>
-          <a:fillRef idx="0">
-            <a:schemeClr val="accent1"/>
-          </a:fillRef>
-          <a:effectRef idx="0">
-            <a:schemeClr val="accent1"/>
-          </a:effectRef>
-          <a:fontRef idx="minor">
-            <a:schemeClr val="tx1"/>
-          </a:fontRef>
-        </p:style>
-      </p:cxnSp>
-      <p:sp>
-        <p:nvSpPr>
-          <p:cNvPr id="12" name="正方形/長方形 11"/>
-          <p:cNvSpPr/>
-          <p:nvPr/>
-        </p:nvSpPr>
-        <p:spPr>
-          <a:xfrm>
-            <a:off x="658046" y="2879416"/>
-            <a:ext cx="546443" cy="142574"/>
-          </a:xfrm>
-          <a:prstGeom prst="rect">
-            <a:avLst/>
-          </a:prstGeom>
-          <a:noFill/>
-          <a:ln w="28575">
-            <a:solidFill>
-              <a:srgbClr val="00B050"/>
-            </a:solidFill>
-            <a:prstDash val="sysDash"/>
-          </a:ln>
-        </p:spPr>
-        <p:style>
-          <a:lnRef idx="2">
-            <a:schemeClr val="accent1">
-              <a:shade val="50000"/>
-            </a:schemeClr>
-          </a:lnRef>
-          <a:fillRef idx="1">
-            <a:schemeClr val="accent1"/>
-          </a:fillRef>
-          <a:effectRef idx="0">
-            <a:schemeClr val="accent1"/>
-          </a:effectRef>
-          <a:fontRef idx="minor">
-            <a:schemeClr val="lt1"/>
-          </a:fontRef>
-        </p:style>
-        <p:txBody>
-          <a:bodyPr rtlCol="0" anchor="ctr"/>
-          <a:lstStyle/>
-          <a:p>
-            <a:pPr algn="ctr"/>
-            <a:endParaRPr kumimoji="1" lang="ja-JP" altLang="en-US"/>
-          </a:p>
-        </p:txBody>
-      </p:sp>
-      <p:sp>
-        <p:nvSpPr>
-          <p:cNvPr id="13" name="テキスト ボックス 12"/>
-          <p:cNvSpPr txBox="1"/>
-          <p:nvPr/>
-        </p:nvSpPr>
-        <p:spPr>
-          <a:xfrm>
-            <a:off x="1229459" y="2525094"/>
-            <a:ext cx="1072922" cy="369332"/>
-          </a:xfrm>
-          <a:prstGeom prst="rect">
-            <a:avLst/>
-          </a:prstGeom>
-          <a:noFill/>
-        </p:spPr>
-        <p:txBody>
           <a:bodyPr wrap="none" rtlCol="0">
             <a:spAutoFit/>
           </a:bodyPr>
           <a:lstStyle/>
           <a:p>
             <a:r>
-              <a:rPr kumimoji="1" lang="en-US" altLang="ja-JP" smtClean="0"/>
-              <a:t>click here</a:t>
+              <a:rPr kumimoji="1" lang="en-US" altLang="ja-JP" dirty="0" smtClean="0"/>
+              <a:t>3.2</a:t>
+            </a:r>
+            <a:r>
+              <a:rPr kumimoji="1" lang="en-US" altLang="ja-JP" dirty="0" smtClean="0"/>
+              <a:t>. Create Local Modes</a:t>
             </a:r>
             <a:endParaRPr kumimoji="1" lang="ja-JP" altLang="en-US" dirty="0"/>
           </a:p>
@@ -5212,1983 +4075,19 @@
       </p:sp>
       <p:sp>
         <p:nvSpPr>
-          <p:cNvPr id="21" name="テキスト ボックス 20"/>
-          <p:cNvSpPr txBox="1"/>
-          <p:nvPr/>
+          <p:cNvPr id="5" name="スライド番号プレースホルダー 1"/>
+          <p:cNvSpPr>
+            <a:spLocks noGrp="1"/>
+          </p:cNvSpPr>
+          <p:nvPr>
+            <p:ph type="sldNum" sz="quarter" idx="12"/>
+          </p:nvPr>
         </p:nvSpPr>
         <p:spPr>
           <a:xfrm>
-            <a:off x="5143697" y="2086810"/>
-            <a:ext cx="1072922" cy="369332"/>
-          </a:xfrm>
-          <a:prstGeom prst="rect">
-            <a:avLst/>
-          </a:prstGeom>
-          <a:noFill/>
-        </p:spPr>
-        <p:txBody>
-          <a:bodyPr wrap="none" rtlCol="0">
-            <a:spAutoFit/>
-          </a:bodyPr>
-          <a:lstStyle/>
-          <a:p>
-            <a:r>
-              <a:rPr kumimoji="1" lang="en-US" altLang="ja-JP" dirty="0" smtClean="0"/>
-              <a:t>click here</a:t>
-            </a:r>
-            <a:endParaRPr kumimoji="1" lang="ja-JP" altLang="en-US" dirty="0"/>
-          </a:p>
-        </p:txBody>
-      </p:sp>
-      <p:cxnSp>
-        <p:nvCxnSpPr>
-          <p:cNvPr id="30" name="直線矢印コネクタ 29"/>
-          <p:cNvCxnSpPr/>
-          <p:nvPr/>
-        </p:nvCxnSpPr>
-        <p:spPr>
-          <a:xfrm>
-            <a:off x="3781168" y="6236146"/>
-            <a:ext cx="580767" cy="291966"/>
-          </a:xfrm>
-          <a:prstGeom prst="straightConnector1">
-            <a:avLst/>
-          </a:prstGeom>
-          <a:ln w="28575">
-            <a:solidFill>
-              <a:srgbClr val="00B050"/>
-            </a:solidFill>
-            <a:tailEnd type="triangle"/>
-          </a:ln>
-        </p:spPr>
-        <p:style>
-          <a:lnRef idx="1">
-            <a:schemeClr val="accent1"/>
-          </a:lnRef>
-          <a:fillRef idx="0">
-            <a:schemeClr val="accent1"/>
-          </a:fillRef>
-          <a:effectRef idx="0">
-            <a:schemeClr val="accent1"/>
-          </a:effectRef>
-          <a:fontRef idx="minor">
-            <a:schemeClr val="tx1"/>
-          </a:fontRef>
-        </p:style>
-      </p:cxnSp>
-      <p:sp>
-        <p:nvSpPr>
-          <p:cNvPr id="32" name="テキスト ボックス 31"/>
-          <p:cNvSpPr txBox="1"/>
-          <p:nvPr/>
-        </p:nvSpPr>
-        <p:spPr>
-          <a:xfrm>
-            <a:off x="1426055" y="5652039"/>
-            <a:ext cx="2470035" cy="646331"/>
-          </a:xfrm>
-          <a:prstGeom prst="rect">
-            <a:avLst/>
-          </a:prstGeom>
-          <a:noFill/>
-        </p:spPr>
-        <p:txBody>
-          <a:bodyPr wrap="none" rtlCol="0">
-            <a:spAutoFit/>
-          </a:bodyPr>
-          <a:lstStyle/>
-          <a:p>
-            <a:r>
-              <a:rPr kumimoji="1" lang="en-US" altLang="ja-JP" dirty="0" smtClean="0"/>
-              <a:t>click </a:t>
-            </a:r>
-            <a:r>
-              <a:rPr kumimoji="1" lang="en-US" altLang="ja-JP" smtClean="0"/>
-              <a:t>here and </a:t>
-            </a:r>
-            <a:r>
-              <a:rPr kumimoji="1" lang="en-US" altLang="ja-JP" dirty="0" smtClean="0"/>
-              <a:t>download</a:t>
-            </a:r>
-          </a:p>
-          <a:p>
-            <a:r>
-              <a:rPr lang="en-US" altLang="ja-JP" dirty="0" smtClean="0"/>
-              <a:t>jogamp-all-platforms.7z</a:t>
-            </a:r>
-            <a:endParaRPr kumimoji="1" lang="ja-JP" altLang="en-US" dirty="0"/>
-          </a:p>
-        </p:txBody>
-      </p:sp>
-      <p:cxnSp>
-        <p:nvCxnSpPr>
-          <p:cNvPr id="34" name="直線矢印コネクタ 33"/>
-          <p:cNvCxnSpPr/>
-          <p:nvPr/>
-        </p:nvCxnSpPr>
-        <p:spPr>
-          <a:xfrm flipH="1">
-            <a:off x="5040923" y="2616035"/>
-            <a:ext cx="509" cy="950418"/>
-          </a:xfrm>
-          <a:prstGeom prst="straightConnector1">
-            <a:avLst/>
-          </a:prstGeom>
-          <a:ln w="28575">
-            <a:solidFill>
-              <a:srgbClr val="00B050"/>
-            </a:solidFill>
-            <a:tailEnd type="triangle"/>
-          </a:ln>
-        </p:spPr>
-        <p:style>
-          <a:lnRef idx="1">
-            <a:schemeClr val="accent1"/>
-          </a:lnRef>
-          <a:fillRef idx="0">
-            <a:schemeClr val="accent1"/>
-          </a:fillRef>
-          <a:effectRef idx="0">
-            <a:schemeClr val="accent1"/>
-          </a:effectRef>
-          <a:fontRef idx="minor">
-            <a:schemeClr val="tx1"/>
-          </a:fontRef>
-        </p:style>
-      </p:cxnSp>
-      <p:sp>
-        <p:nvSpPr>
-          <p:cNvPr id="4" name="テキスト ボックス 3"/>
-          <p:cNvSpPr txBox="1"/>
-          <p:nvPr/>
-        </p:nvSpPr>
-        <p:spPr>
-          <a:xfrm>
-            <a:off x="400050" y="194310"/>
-            <a:ext cx="1830694" cy="461665"/>
-          </a:xfrm>
-          <a:prstGeom prst="rect">
-            <a:avLst/>
-          </a:prstGeom>
-          <a:noFill/>
-        </p:spPr>
-        <p:txBody>
-          <a:bodyPr wrap="none" rtlCol="0">
-            <a:spAutoFit/>
-          </a:bodyPr>
-          <a:lstStyle/>
-          <a:p>
-            <a:r>
-              <a:rPr kumimoji="1" lang="en-US" altLang="ja-JP" sz="2400" dirty="0" smtClean="0"/>
-              <a:t>2.2. Mac OSX</a:t>
-            </a:r>
-            <a:endParaRPr kumimoji="1" lang="ja-JP" altLang="en-US" sz="2400" dirty="0"/>
-          </a:p>
-        </p:txBody>
-      </p:sp>
-    </p:spTree>
-    <p:extLst>
-      <p:ext uri="{BB962C8B-B14F-4D97-AF65-F5344CB8AC3E}">
-        <p14:creationId xmlns:p14="http://schemas.microsoft.com/office/powerpoint/2010/main" val="233236959"/>
-      </p:ext>
-    </p:extLst>
-  </p:cSld>
-  <p:clrMapOvr>
-    <a:masterClrMapping/>
-  </p:clrMapOvr>
-</p:sld>
-</file>
-
-<file path=ppt/slides/slide6.xml><?xml version="1.0" encoding="utf-8"?>
-<p:sld xmlns:a="http://schemas.openxmlformats.org/drawingml/2006/main" xmlns:r="http://schemas.openxmlformats.org/officeDocument/2006/relationships" xmlns:p="http://schemas.openxmlformats.org/presentationml/2006/main">
-  <p:cSld>
-    <p:spTree>
-      <p:nvGrpSpPr>
-        <p:cNvPr id="1" name=""/>
-        <p:cNvGrpSpPr/>
-        <p:nvPr/>
-      </p:nvGrpSpPr>
-      <p:grpSpPr>
-        <a:xfrm>
-          <a:off x="0" y="0"/>
-          <a:ext cx="0" cy="0"/>
-          <a:chOff x="0" y="0"/>
-          <a:chExt cx="0" cy="0"/>
-        </a:xfrm>
-      </p:grpSpPr>
-      <p:pic>
-        <p:nvPicPr>
-          <p:cNvPr id="47" name="図 46"/>
-          <p:cNvPicPr>
-            <a:picLocks noChangeAspect="1"/>
-          </p:cNvPicPr>
-          <p:nvPr/>
-        </p:nvPicPr>
-        <p:blipFill>
-          <a:blip r:embed="rId2">
-            <a:extLst>
-              <a:ext uri="{28A0092B-C50C-407E-A947-70E740481C1C}">
-                <a14:useLocalDpi xmlns:a14="http://schemas.microsoft.com/office/drawing/2010/main" val="0"/>
-              </a:ext>
-            </a:extLst>
-          </a:blip>
-          <a:stretch>
-            <a:fillRect/>
-          </a:stretch>
-        </p:blipFill>
-        <p:spPr>
-          <a:xfrm>
-            <a:off x="4832385" y="926157"/>
-            <a:ext cx="3851026" cy="1747715"/>
-          </a:xfrm>
-          <a:prstGeom prst="rect">
-            <a:avLst/>
-          </a:prstGeom>
-        </p:spPr>
-      </p:pic>
-      <p:pic>
-        <p:nvPicPr>
-          <p:cNvPr id="42" name="図 41"/>
-          <p:cNvPicPr>
-            <a:picLocks noChangeAspect="1"/>
-          </p:cNvPicPr>
-          <p:nvPr/>
-        </p:nvPicPr>
-        <p:blipFill>
-          <a:blip r:embed="rId3">
-            <a:extLst>
-              <a:ext uri="{28A0092B-C50C-407E-A947-70E740481C1C}">
-                <a14:useLocalDpi xmlns:a14="http://schemas.microsoft.com/office/drawing/2010/main" val="0"/>
-              </a:ext>
-            </a:extLst>
-          </a:blip>
-          <a:stretch>
-            <a:fillRect/>
-          </a:stretch>
-        </p:blipFill>
-        <p:spPr>
-          <a:xfrm>
-            <a:off x="1099473" y="2079540"/>
-            <a:ext cx="3511779" cy="1347401"/>
-          </a:xfrm>
-          <a:prstGeom prst="rect">
-            <a:avLst/>
-          </a:prstGeom>
-        </p:spPr>
-      </p:pic>
-      <p:pic>
-        <p:nvPicPr>
-          <p:cNvPr id="28" name="図 27"/>
-          <p:cNvPicPr>
-            <a:picLocks noChangeAspect="1"/>
-          </p:cNvPicPr>
-          <p:nvPr/>
-        </p:nvPicPr>
-        <p:blipFill rotWithShape="1">
-          <a:blip r:embed="rId4">
-            <a:extLst>
-              <a:ext uri="{28A0092B-C50C-407E-A947-70E740481C1C}">
-                <a14:useLocalDpi xmlns:a14="http://schemas.microsoft.com/office/drawing/2010/main" val="0"/>
-              </a:ext>
-            </a:extLst>
-          </a:blip>
-          <a:srcRect b="63375"/>
-          <a:stretch/>
-        </p:blipFill>
-        <p:spPr>
-          <a:xfrm>
-            <a:off x="1110044" y="745306"/>
-            <a:ext cx="3509493" cy="770774"/>
-          </a:xfrm>
-          <a:prstGeom prst="rect">
-            <a:avLst/>
-          </a:prstGeom>
-        </p:spPr>
-      </p:pic>
-      <p:sp>
-        <p:nvSpPr>
-          <p:cNvPr id="34" name="正方形/長方形 33"/>
-          <p:cNvSpPr/>
-          <p:nvPr/>
-        </p:nvSpPr>
-        <p:spPr>
-          <a:xfrm>
-            <a:off x="1186355" y="2751696"/>
-            <a:ext cx="1251908" cy="194563"/>
-          </a:xfrm>
-          <a:prstGeom prst="rect">
-            <a:avLst/>
-          </a:prstGeom>
-          <a:noFill/>
-          <a:ln w="28575">
-            <a:solidFill>
-              <a:srgbClr val="00B050"/>
-            </a:solidFill>
-            <a:prstDash val="sysDash"/>
-          </a:ln>
-        </p:spPr>
-        <p:style>
-          <a:lnRef idx="2">
-            <a:schemeClr val="accent1">
-              <a:shade val="50000"/>
-            </a:schemeClr>
-          </a:lnRef>
-          <a:fillRef idx="1">
-            <a:schemeClr val="accent1"/>
-          </a:fillRef>
-          <a:effectRef idx="0">
-            <a:schemeClr val="accent1"/>
-          </a:effectRef>
-          <a:fontRef idx="minor">
-            <a:schemeClr val="lt1"/>
-          </a:fontRef>
-        </p:style>
-        <p:txBody>
-          <a:bodyPr rtlCol="0" anchor="ctr"/>
-          <a:lstStyle/>
-          <a:p>
-            <a:pPr algn="ctr"/>
-            <a:endParaRPr kumimoji="1" lang="ja-JP" altLang="en-US"/>
-          </a:p>
-        </p:txBody>
-      </p:sp>
-      <p:sp>
-        <p:nvSpPr>
-          <p:cNvPr id="35" name="テキスト ボックス 34"/>
-          <p:cNvSpPr txBox="1"/>
-          <p:nvPr/>
-        </p:nvSpPr>
-        <p:spPr>
-          <a:xfrm>
-            <a:off x="2100822" y="2936433"/>
-            <a:ext cx="1072922" cy="369332"/>
-          </a:xfrm>
-          <a:prstGeom prst="rect">
-            <a:avLst/>
-          </a:prstGeom>
-          <a:noFill/>
-        </p:spPr>
-        <p:txBody>
-          <a:bodyPr wrap="none" rtlCol="0">
-            <a:spAutoFit/>
-          </a:bodyPr>
-          <a:lstStyle/>
-          <a:p>
-            <a:r>
-              <a:rPr kumimoji="1" lang="en-US" altLang="ja-JP" dirty="0" smtClean="0"/>
-              <a:t>click here</a:t>
-            </a:r>
-            <a:endParaRPr kumimoji="1" lang="ja-JP" altLang="en-US" dirty="0"/>
-          </a:p>
-        </p:txBody>
-      </p:sp>
-      <p:cxnSp>
-        <p:nvCxnSpPr>
-          <p:cNvPr id="38" name="直線矢印コネクタ 37"/>
-          <p:cNvCxnSpPr/>
-          <p:nvPr/>
-        </p:nvCxnSpPr>
-        <p:spPr>
-          <a:xfrm flipH="1" flipV="1">
-            <a:off x="5340380" y="2379820"/>
-            <a:ext cx="1117" cy="432078"/>
-          </a:xfrm>
-          <a:prstGeom prst="straightConnector1">
-            <a:avLst/>
-          </a:prstGeom>
-          <a:ln w="28575">
-            <a:solidFill>
-              <a:srgbClr val="00B050"/>
-            </a:solidFill>
-            <a:tailEnd type="triangle"/>
-          </a:ln>
-        </p:spPr>
-        <p:style>
-          <a:lnRef idx="1">
-            <a:schemeClr val="accent1"/>
-          </a:lnRef>
-          <a:fillRef idx="0">
-            <a:schemeClr val="accent1"/>
-          </a:fillRef>
-          <a:effectRef idx="0">
-            <a:schemeClr val="accent1"/>
-          </a:effectRef>
-          <a:fontRef idx="minor">
-            <a:schemeClr val="tx1"/>
-          </a:fontRef>
-        </p:style>
-      </p:cxnSp>
-      <p:sp>
-        <p:nvSpPr>
-          <p:cNvPr id="39" name="正方形/長方形 38"/>
-          <p:cNvSpPr/>
-          <p:nvPr/>
-        </p:nvSpPr>
-        <p:spPr>
-          <a:xfrm>
-            <a:off x="5123526" y="2193297"/>
-            <a:ext cx="1251908" cy="194563"/>
-          </a:xfrm>
-          <a:prstGeom prst="rect">
-            <a:avLst/>
-          </a:prstGeom>
-          <a:noFill/>
-          <a:ln w="28575">
-            <a:solidFill>
-              <a:srgbClr val="00B050"/>
-            </a:solidFill>
-            <a:prstDash val="sysDash"/>
-          </a:ln>
-        </p:spPr>
-        <p:style>
-          <a:lnRef idx="2">
-            <a:schemeClr val="accent1">
-              <a:shade val="50000"/>
-            </a:schemeClr>
-          </a:lnRef>
-          <a:fillRef idx="1">
-            <a:schemeClr val="accent1"/>
-          </a:fillRef>
-          <a:effectRef idx="0">
-            <a:schemeClr val="accent1"/>
-          </a:effectRef>
-          <a:fontRef idx="minor">
-            <a:schemeClr val="lt1"/>
-          </a:fontRef>
-        </p:style>
-        <p:txBody>
-          <a:bodyPr rtlCol="0" anchor="ctr"/>
-          <a:lstStyle/>
-          <a:p>
-            <a:pPr algn="ctr"/>
-            <a:endParaRPr kumimoji="1" lang="ja-JP" altLang="en-US"/>
-          </a:p>
-        </p:txBody>
-      </p:sp>
-      <p:sp>
-        <p:nvSpPr>
-          <p:cNvPr id="40" name="テキスト ボックス 39"/>
-          <p:cNvSpPr txBox="1"/>
-          <p:nvPr/>
-        </p:nvSpPr>
-        <p:spPr>
-          <a:xfrm>
-            <a:off x="5070437" y="2751833"/>
-            <a:ext cx="2470035" cy="646331"/>
-          </a:xfrm>
-          <a:prstGeom prst="rect">
-            <a:avLst/>
-          </a:prstGeom>
-          <a:noFill/>
-        </p:spPr>
-        <p:txBody>
-          <a:bodyPr wrap="none" rtlCol="0">
-            <a:spAutoFit/>
-          </a:bodyPr>
-          <a:lstStyle/>
-          <a:p>
-            <a:r>
-              <a:rPr kumimoji="1" lang="en-US" altLang="ja-JP" dirty="0" smtClean="0"/>
-              <a:t>click </a:t>
-            </a:r>
-            <a:r>
-              <a:rPr kumimoji="1" lang="en-US" altLang="ja-JP" smtClean="0"/>
-              <a:t>here and </a:t>
-            </a:r>
-            <a:r>
-              <a:rPr kumimoji="1" lang="en-US" altLang="ja-JP" dirty="0" smtClean="0"/>
-              <a:t>download</a:t>
-            </a:r>
-          </a:p>
-          <a:p>
-            <a:r>
-              <a:rPr lang="en-US" altLang="ja-JP" dirty="0" smtClean="0"/>
-              <a:t>jogamp-java3d.7z</a:t>
-            </a:r>
-            <a:endParaRPr kumimoji="1" lang="ja-JP" altLang="en-US" dirty="0"/>
-          </a:p>
-        </p:txBody>
-      </p:sp>
-      <p:cxnSp>
-        <p:nvCxnSpPr>
-          <p:cNvPr id="41" name="直線矢印コネクタ 40"/>
-          <p:cNvCxnSpPr/>
-          <p:nvPr/>
-        </p:nvCxnSpPr>
-        <p:spPr>
-          <a:xfrm flipV="1">
-            <a:off x="2553646" y="1805940"/>
-            <a:ext cx="2132654" cy="1022275"/>
-          </a:xfrm>
-          <a:prstGeom prst="straightConnector1">
-            <a:avLst/>
-          </a:prstGeom>
-          <a:ln w="28575">
-            <a:solidFill>
-              <a:srgbClr val="00B050"/>
-            </a:solidFill>
-            <a:tailEnd type="triangle"/>
-          </a:ln>
-        </p:spPr>
-        <p:style>
-          <a:lnRef idx="1">
-            <a:schemeClr val="accent1"/>
-          </a:lnRef>
-          <a:fillRef idx="0">
-            <a:schemeClr val="accent1"/>
-          </a:fillRef>
-          <a:effectRef idx="0">
-            <a:schemeClr val="accent1"/>
-          </a:effectRef>
-          <a:fontRef idx="minor">
-            <a:schemeClr val="tx1"/>
-          </a:fontRef>
-        </p:style>
-      </p:cxnSp>
-      <p:sp>
-        <p:nvSpPr>
-          <p:cNvPr id="44" name="テキスト ボックス 43"/>
-          <p:cNvSpPr txBox="1"/>
-          <p:nvPr/>
-        </p:nvSpPr>
-        <p:spPr>
-          <a:xfrm rot="5400000">
-            <a:off x="1568397" y="1516080"/>
-            <a:ext cx="343364" cy="369332"/>
-          </a:xfrm>
-          <a:prstGeom prst="rect">
-            <a:avLst/>
-          </a:prstGeom>
-          <a:noFill/>
-        </p:spPr>
-        <p:txBody>
-          <a:bodyPr wrap="none" rtlCol="0">
-            <a:spAutoFit/>
-          </a:bodyPr>
-          <a:lstStyle/>
-          <a:p>
-            <a:r>
-              <a:rPr kumimoji="1" lang="en-US" altLang="ja-JP" smtClean="0"/>
-              <a:t>…</a:t>
-            </a:r>
-            <a:endParaRPr kumimoji="1" lang="ja-JP" altLang="en-US" dirty="0"/>
-          </a:p>
-        </p:txBody>
-      </p:sp>
-      <p:sp>
-        <p:nvSpPr>
-          <p:cNvPr id="45" name="テキスト ボックス 44"/>
-          <p:cNvSpPr txBox="1"/>
-          <p:nvPr/>
-        </p:nvSpPr>
-        <p:spPr>
-          <a:xfrm>
-            <a:off x="529293" y="261552"/>
-            <a:ext cx="4134145" cy="369332"/>
-          </a:xfrm>
-          <a:prstGeom prst="rect">
-            <a:avLst/>
-          </a:prstGeom>
-          <a:noFill/>
-        </p:spPr>
-        <p:txBody>
-          <a:bodyPr wrap="none" rtlCol="0">
-            <a:spAutoFit/>
-          </a:bodyPr>
-          <a:lstStyle/>
-          <a:p>
-            <a:r>
-              <a:rPr kumimoji="1" lang="en-US" altLang="ja-JP" dirty="0" smtClean="0"/>
-              <a:t>Go back to the Main page and scroll down</a:t>
-            </a:r>
-            <a:endParaRPr kumimoji="1" lang="ja-JP" altLang="en-US" dirty="0"/>
-          </a:p>
-        </p:txBody>
-      </p:sp>
-      <p:sp>
-        <p:nvSpPr>
-          <p:cNvPr id="50" name="テキスト ボックス 49"/>
-          <p:cNvSpPr txBox="1"/>
-          <p:nvPr/>
-        </p:nvSpPr>
-        <p:spPr>
-          <a:xfrm>
-            <a:off x="6320041" y="4071286"/>
-            <a:ext cx="1614096" cy="646331"/>
-          </a:xfrm>
-          <a:prstGeom prst="rect">
-            <a:avLst/>
-          </a:prstGeom>
-          <a:noFill/>
-        </p:spPr>
-        <p:txBody>
-          <a:bodyPr wrap="none" rtlCol="0">
-            <a:spAutoFit/>
-          </a:bodyPr>
-          <a:lstStyle/>
-          <a:p>
-            <a:pPr>
-              <a:spcBef>
-                <a:spcPts val="600"/>
-              </a:spcBef>
-            </a:pPr>
-            <a:r>
-              <a:rPr kumimoji="1" lang="en-US" altLang="ja-JP" dirty="0" smtClean="0"/>
-              <a:t>The </a:t>
-            </a:r>
-            <a:r>
-              <a:rPr kumimoji="1" lang="en-US" altLang="ja-JP" dirty="0" err="1" smtClean="0"/>
-              <a:t>Unarchiver</a:t>
-            </a:r>
-            <a:endParaRPr lang="en-US" altLang="ja-JP" dirty="0"/>
-          </a:p>
-          <a:p>
-            <a:r>
-              <a:rPr kumimoji="1" lang="en-US" altLang="ja-JP" dirty="0" err="1" smtClean="0"/>
-              <a:t>MacPaw</a:t>
-            </a:r>
-            <a:r>
-              <a:rPr kumimoji="1" lang="en-US" altLang="ja-JP" dirty="0" smtClean="0"/>
-              <a:t> Inc.</a:t>
-            </a:r>
-          </a:p>
-        </p:txBody>
-      </p:sp>
-      <p:pic>
-        <p:nvPicPr>
-          <p:cNvPr id="52" name="図 51"/>
-          <p:cNvPicPr>
-            <a:picLocks noChangeAspect="1"/>
-          </p:cNvPicPr>
-          <p:nvPr/>
-        </p:nvPicPr>
-        <p:blipFill>
-          <a:blip r:embed="rId5">
-            <a:extLst>
-              <a:ext uri="{28A0092B-C50C-407E-A947-70E740481C1C}">
-                <a14:useLocalDpi xmlns:a14="http://schemas.microsoft.com/office/drawing/2010/main" val="0"/>
-              </a:ext>
-            </a:extLst>
-          </a:blip>
-          <a:stretch>
-            <a:fillRect/>
-          </a:stretch>
-        </p:blipFill>
-        <p:spPr>
-          <a:xfrm>
-            <a:off x="5651353" y="4089733"/>
-            <a:ext cx="640443" cy="657006"/>
-          </a:xfrm>
-          <a:prstGeom prst="rect">
-            <a:avLst/>
-          </a:prstGeom>
-        </p:spPr>
-      </p:pic>
-      <p:sp>
-        <p:nvSpPr>
-          <p:cNvPr id="53" name="テキスト ボックス 52"/>
-          <p:cNvSpPr txBox="1"/>
-          <p:nvPr/>
-        </p:nvSpPr>
-        <p:spPr>
-          <a:xfrm>
-            <a:off x="570176" y="3635712"/>
-            <a:ext cx="8017770" cy="646331"/>
-          </a:xfrm>
-          <a:prstGeom prst="rect">
-            <a:avLst/>
-          </a:prstGeom>
-          <a:noFill/>
-        </p:spPr>
-        <p:txBody>
-          <a:bodyPr wrap="square" rtlCol="0">
-            <a:spAutoFit/>
-          </a:bodyPr>
-          <a:lstStyle/>
-          <a:p>
-            <a:r>
-              <a:rPr kumimoji="1" lang="en-US" altLang="ja-JP" dirty="0" smtClean="0"/>
-              <a:t>Unarchive the two files you just downloaded.</a:t>
-            </a:r>
-            <a:r>
-              <a:rPr lang="en-US" altLang="ja-JP" dirty="0" smtClean="0"/>
-              <a:t> 7z files can be unarchived using, for example, “The </a:t>
-            </a:r>
-            <a:r>
-              <a:rPr lang="en-US" altLang="ja-JP" dirty="0" err="1" smtClean="0"/>
-              <a:t>Unarchiver</a:t>
-            </a:r>
-            <a:r>
-              <a:rPr lang="en-US" altLang="ja-JP" dirty="0" smtClean="0"/>
-              <a:t>”. It’s a free program.</a:t>
-            </a:r>
-            <a:endParaRPr kumimoji="1" lang="ja-JP" altLang="en-US" dirty="0"/>
-          </a:p>
-        </p:txBody>
-      </p:sp>
-      <p:cxnSp>
-        <p:nvCxnSpPr>
-          <p:cNvPr id="54" name="直線矢印コネクタ 53"/>
-          <p:cNvCxnSpPr/>
-          <p:nvPr/>
-        </p:nvCxnSpPr>
-        <p:spPr>
-          <a:xfrm flipH="1">
-            <a:off x="1899788" y="1534951"/>
-            <a:ext cx="2" cy="379141"/>
-          </a:xfrm>
-          <a:prstGeom prst="straightConnector1">
-            <a:avLst/>
-          </a:prstGeom>
-          <a:ln w="28575">
-            <a:solidFill>
-              <a:srgbClr val="00B050"/>
-            </a:solidFill>
-            <a:tailEnd type="triangle"/>
-          </a:ln>
-        </p:spPr>
-        <p:style>
-          <a:lnRef idx="1">
-            <a:schemeClr val="accent1"/>
-          </a:lnRef>
-          <a:fillRef idx="0">
-            <a:schemeClr val="accent1"/>
-          </a:fillRef>
-          <a:effectRef idx="0">
-            <a:schemeClr val="accent1"/>
-          </a:effectRef>
-          <a:fontRef idx="minor">
-            <a:schemeClr val="tx1"/>
-          </a:fontRef>
-        </p:style>
-      </p:cxnSp>
-      <p:sp>
-        <p:nvSpPr>
-          <p:cNvPr id="61" name="テキスト ボックス 60"/>
-          <p:cNvSpPr txBox="1"/>
-          <p:nvPr/>
-        </p:nvSpPr>
-        <p:spPr>
-          <a:xfrm>
-            <a:off x="1926479" y="1531879"/>
-            <a:ext cx="1275093" cy="369332"/>
-          </a:xfrm>
-          <a:prstGeom prst="rect">
-            <a:avLst/>
-          </a:prstGeom>
-          <a:noFill/>
-        </p:spPr>
-        <p:txBody>
-          <a:bodyPr wrap="none" rtlCol="0">
-            <a:spAutoFit/>
-          </a:bodyPr>
-          <a:lstStyle/>
-          <a:p>
-            <a:r>
-              <a:rPr kumimoji="1" lang="en-US" altLang="ja-JP" smtClean="0"/>
-              <a:t>Scroll </a:t>
-            </a:r>
-            <a:r>
-              <a:rPr kumimoji="1" lang="en-US" altLang="ja-JP" dirty="0" smtClean="0"/>
-              <a:t>down</a:t>
-            </a:r>
-            <a:endParaRPr kumimoji="1" lang="ja-JP" altLang="en-US" dirty="0"/>
-          </a:p>
-        </p:txBody>
-      </p:sp>
-      <p:sp>
-        <p:nvSpPr>
-          <p:cNvPr id="62" name="テキスト ボックス 61"/>
-          <p:cNvSpPr txBox="1"/>
-          <p:nvPr/>
-        </p:nvSpPr>
-        <p:spPr>
-          <a:xfrm>
-            <a:off x="570176" y="5182778"/>
-            <a:ext cx="4792656" cy="369332"/>
-          </a:xfrm>
-          <a:prstGeom prst="rect">
-            <a:avLst/>
-          </a:prstGeom>
-          <a:noFill/>
-        </p:spPr>
-        <p:txBody>
-          <a:bodyPr wrap="square" rtlCol="0">
-            <a:spAutoFit/>
-          </a:bodyPr>
-          <a:lstStyle/>
-          <a:p>
-            <a:r>
-              <a:rPr kumimoji="1" lang="en-US" altLang="ja-JP" dirty="0" smtClean="0"/>
-              <a:t>Then, copy the jar files to </a:t>
-            </a:r>
-            <a:r>
-              <a:rPr lang="en-US" altLang="ja-JP" dirty="0" smtClean="0"/>
-              <a:t>an </a:t>
-            </a:r>
-            <a:r>
-              <a:rPr lang="en-US" altLang="ja-JP" dirty="0"/>
-              <a:t>extension</a:t>
-            </a:r>
-            <a:r>
-              <a:rPr kumimoji="1" lang="en-US" altLang="ja-JP" dirty="0" smtClean="0"/>
-              <a:t> folder:</a:t>
-            </a:r>
-            <a:endParaRPr kumimoji="1" lang="ja-JP" altLang="en-US" dirty="0"/>
-          </a:p>
-        </p:txBody>
-      </p:sp>
-      <p:sp>
-        <p:nvSpPr>
-          <p:cNvPr id="63" name="テキスト ボックス 62"/>
-          <p:cNvSpPr txBox="1"/>
-          <p:nvPr/>
-        </p:nvSpPr>
-        <p:spPr>
-          <a:xfrm>
-            <a:off x="986551" y="5618490"/>
-            <a:ext cx="6135013" cy="461665"/>
-          </a:xfrm>
-          <a:prstGeom prst="rect">
-            <a:avLst/>
-          </a:prstGeom>
-          <a:noFill/>
-          <a:ln>
-            <a:solidFill>
-              <a:srgbClr val="00B050"/>
-            </a:solidFill>
-          </a:ln>
-        </p:spPr>
-        <p:txBody>
-          <a:bodyPr wrap="none" rtlCol="0">
-            <a:spAutoFit/>
-          </a:bodyPr>
-          <a:lstStyle/>
-          <a:p>
-            <a:r>
-              <a:rPr lang="en-US" altLang="ja-JP" sz="1200" dirty="0" smtClean="0">
-                <a:latin typeface="Courier" charset="0"/>
-                <a:ea typeface="Courier" charset="0"/>
-                <a:cs typeface="Courier" charset="0"/>
-              </a:rPr>
-              <a:t>&gt;</a:t>
-            </a:r>
-            <a:r>
-              <a:rPr lang="en-US" altLang="ja-JP" sz="1200" dirty="0" err="1" smtClean="0">
-                <a:latin typeface="Courier" charset="0"/>
-                <a:ea typeface="Courier" charset="0"/>
-                <a:cs typeface="Courier" charset="0"/>
-              </a:rPr>
-              <a:t>sudo</a:t>
-            </a:r>
-            <a:r>
-              <a:rPr lang="en-US" altLang="ja-JP" sz="1200" dirty="0" smtClean="0">
-                <a:latin typeface="Courier" charset="0"/>
-                <a:ea typeface="Courier" charset="0"/>
-                <a:cs typeface="Courier" charset="0"/>
-              </a:rPr>
-              <a:t> </a:t>
-            </a:r>
-            <a:r>
-              <a:rPr lang="en-US" altLang="ja-JP" sz="1200" dirty="0" err="1" smtClean="0">
-                <a:latin typeface="Courier" charset="0"/>
-                <a:ea typeface="Courier" charset="0"/>
-                <a:cs typeface="Courier" charset="0"/>
-              </a:rPr>
-              <a:t>cp</a:t>
-            </a:r>
-            <a:r>
-              <a:rPr lang="en-US" altLang="ja-JP" sz="1200" dirty="0" smtClean="0">
-                <a:latin typeface="Courier" charset="0"/>
-                <a:ea typeface="Courier" charset="0"/>
-                <a:cs typeface="Courier" charset="0"/>
-              </a:rPr>
-              <a:t> </a:t>
-            </a:r>
-            <a:r>
-              <a:rPr lang="en-US" altLang="ja-JP" sz="1200" dirty="0" err="1" smtClean="0">
-                <a:latin typeface="Courier" charset="0"/>
-                <a:ea typeface="Courier" charset="0"/>
-                <a:cs typeface="Courier" charset="0"/>
-              </a:rPr>
-              <a:t>jogamp</a:t>
-            </a:r>
-            <a:r>
-              <a:rPr lang="en-US" altLang="ja-JP" sz="1200" dirty="0" smtClean="0">
-                <a:latin typeface="Courier" charset="0"/>
-                <a:ea typeface="Courier" charset="0"/>
-                <a:cs typeface="Courier" charset="0"/>
-              </a:rPr>
-              <a:t>-all-platforms/jar/*jar /Library/Java/Extensions/</a:t>
-            </a:r>
-          </a:p>
-          <a:p>
-            <a:r>
-              <a:rPr lang="en-US" altLang="ja-JP" sz="1200" dirty="0" smtClean="0">
-                <a:latin typeface="Courier" charset="0"/>
-                <a:ea typeface="Courier" charset="0"/>
-                <a:cs typeface="Courier" charset="0"/>
-              </a:rPr>
-              <a:t>&gt;</a:t>
-            </a:r>
-            <a:r>
-              <a:rPr lang="en-US" altLang="ja-JP" sz="1200" dirty="0" err="1" smtClean="0">
-                <a:latin typeface="Courier" charset="0"/>
-                <a:ea typeface="Courier" charset="0"/>
-                <a:cs typeface="Courier" charset="0"/>
-              </a:rPr>
-              <a:t>sudo</a:t>
-            </a:r>
-            <a:r>
-              <a:rPr lang="en-US" altLang="ja-JP" sz="1200" dirty="0" smtClean="0">
-                <a:latin typeface="Courier" charset="0"/>
-                <a:ea typeface="Courier" charset="0"/>
-                <a:cs typeface="Courier" charset="0"/>
-              </a:rPr>
-              <a:t> </a:t>
-            </a:r>
-            <a:r>
-              <a:rPr lang="en-US" altLang="ja-JP" sz="1200" dirty="0" err="1" smtClean="0">
-                <a:latin typeface="Courier" charset="0"/>
-                <a:ea typeface="Courier" charset="0"/>
-                <a:cs typeface="Courier" charset="0"/>
-              </a:rPr>
-              <a:t>cp</a:t>
-            </a:r>
-            <a:r>
-              <a:rPr lang="en-US" altLang="ja-JP" sz="1200" dirty="0" smtClean="0">
-                <a:latin typeface="Courier" charset="0"/>
-                <a:ea typeface="Courier" charset="0"/>
-                <a:cs typeface="Courier" charset="0"/>
-              </a:rPr>
-              <a:t> jogamp-java3d/*jar /Library/Java/Extensions/</a:t>
-            </a:r>
-            <a:endParaRPr kumimoji="1" lang="ja-JP" altLang="en-US" sz="1200" dirty="0">
-              <a:latin typeface="Courier" charset="0"/>
-              <a:ea typeface="Courier" charset="0"/>
-              <a:cs typeface="Courier" charset="0"/>
-            </a:endParaRPr>
-          </a:p>
-        </p:txBody>
-      </p:sp>
-    </p:spTree>
-    <p:extLst>
-      <p:ext uri="{BB962C8B-B14F-4D97-AF65-F5344CB8AC3E}">
-        <p14:creationId xmlns:p14="http://schemas.microsoft.com/office/powerpoint/2010/main" val="1444245425"/>
-      </p:ext>
-    </p:extLst>
-  </p:cSld>
-  <p:clrMapOvr>
-    <a:masterClrMapping/>
-  </p:clrMapOvr>
-</p:sld>
-</file>
-
-<file path=ppt/slides/slide7.xml><?xml version="1.0" encoding="utf-8"?>
-<p:sld xmlns:a="http://schemas.openxmlformats.org/drawingml/2006/main" xmlns:r="http://schemas.openxmlformats.org/officeDocument/2006/relationships" xmlns:p="http://schemas.openxmlformats.org/presentationml/2006/main">
-  <p:cSld>
-    <p:spTree>
-      <p:nvGrpSpPr>
-        <p:cNvPr id="1" name=""/>
-        <p:cNvGrpSpPr/>
-        <p:nvPr/>
-      </p:nvGrpSpPr>
-      <p:grpSpPr>
-        <a:xfrm>
-          <a:off x="0" y="0"/>
-          <a:ext cx="0" cy="0"/>
-          <a:chOff x="0" y="0"/>
-          <a:chExt cx="0" cy="0"/>
-        </a:xfrm>
-      </p:grpSpPr>
-      <p:sp>
-        <p:nvSpPr>
-          <p:cNvPr id="2" name="タイトル 1"/>
-          <p:cNvSpPr>
-            <a:spLocks noGrp="1"/>
-          </p:cNvSpPr>
-          <p:nvPr>
-            <p:ph type="title"/>
-          </p:nvPr>
-        </p:nvSpPr>
-        <p:spPr/>
-        <p:txBody>
-          <a:bodyPr/>
-          <a:lstStyle/>
-          <a:p>
-            <a:r>
-              <a:rPr kumimoji="1" lang="en-US" altLang="ja-JP" dirty="0" smtClean="0"/>
-              <a:t>3. Download JAMA</a:t>
-            </a:r>
-            <a:endParaRPr kumimoji="1" lang="ja-JP" altLang="en-US" dirty="0"/>
-          </a:p>
-        </p:txBody>
-      </p:sp>
-      <p:sp>
-        <p:nvSpPr>
-          <p:cNvPr id="3" name="テキスト ボックス 2"/>
-          <p:cNvSpPr txBox="1"/>
-          <p:nvPr/>
-        </p:nvSpPr>
-        <p:spPr>
-          <a:xfrm>
-            <a:off x="1417320" y="1476790"/>
-            <a:ext cx="4155240" cy="369332"/>
-          </a:xfrm>
-          <a:prstGeom prst="rect">
-            <a:avLst/>
-          </a:prstGeom>
-          <a:noFill/>
-        </p:spPr>
-        <p:txBody>
-          <a:bodyPr wrap="none" rtlCol="0">
-            <a:spAutoFit/>
-          </a:bodyPr>
-          <a:lstStyle/>
-          <a:p>
-            <a:r>
-              <a:rPr lang="en-US" altLang="ja-JP" dirty="0"/>
-              <a:t>https://</a:t>
-            </a:r>
-            <a:r>
-              <a:rPr lang="en-US" altLang="ja-JP" dirty="0" err="1"/>
-              <a:t>math.nist.gov</a:t>
-            </a:r>
-            <a:r>
-              <a:rPr lang="en-US" altLang="ja-JP" dirty="0"/>
-              <a:t>/</a:t>
-            </a:r>
-            <a:r>
-              <a:rPr lang="en-US" altLang="ja-JP" dirty="0" err="1"/>
-              <a:t>javanumerics</a:t>
-            </a:r>
-            <a:r>
-              <a:rPr lang="en-US" altLang="ja-JP" dirty="0"/>
-              <a:t>/</a:t>
-            </a:r>
-            <a:r>
-              <a:rPr lang="en-US" altLang="ja-JP" dirty="0" err="1"/>
-              <a:t>jama</a:t>
-            </a:r>
-            <a:r>
-              <a:rPr lang="en-US" altLang="ja-JP" dirty="0"/>
-              <a:t>/</a:t>
-            </a:r>
-            <a:endParaRPr kumimoji="1" lang="ja-JP" altLang="en-US" dirty="0"/>
-          </a:p>
-        </p:txBody>
-      </p:sp>
-      <p:sp>
-        <p:nvSpPr>
-          <p:cNvPr id="4" name="テキスト ボックス 3"/>
-          <p:cNvSpPr txBox="1"/>
-          <p:nvPr/>
-        </p:nvSpPr>
-        <p:spPr>
-          <a:xfrm>
-            <a:off x="754381" y="880110"/>
-            <a:ext cx="8218170" cy="646331"/>
-          </a:xfrm>
-          <a:prstGeom prst="rect">
-            <a:avLst/>
-          </a:prstGeom>
-          <a:noFill/>
-        </p:spPr>
-        <p:txBody>
-          <a:bodyPr wrap="square" rtlCol="0">
-            <a:spAutoFit/>
-          </a:bodyPr>
-          <a:lstStyle/>
-          <a:p>
-            <a:r>
-              <a:rPr kumimoji="1" lang="en-US" altLang="ja-JP" dirty="0" smtClean="0"/>
-              <a:t>JAMA is  a linear algebra library for JAVA. We use it for matrix </a:t>
-            </a:r>
-            <a:r>
-              <a:rPr kumimoji="1" lang="en-US" altLang="ja-JP" dirty="0" err="1" smtClean="0"/>
-              <a:t>maltiplications</a:t>
-            </a:r>
-            <a:r>
-              <a:rPr kumimoji="1" lang="en-US" altLang="ja-JP" dirty="0" smtClean="0"/>
-              <a:t>, diagonalization, and so on. It can be downloaded from, </a:t>
-            </a:r>
-            <a:endParaRPr kumimoji="1" lang="ja-JP" altLang="en-US" dirty="0"/>
-          </a:p>
-        </p:txBody>
-      </p:sp>
-      <p:pic>
-        <p:nvPicPr>
-          <p:cNvPr id="5" name="図 4"/>
-          <p:cNvPicPr>
-            <a:picLocks noChangeAspect="1"/>
-          </p:cNvPicPr>
-          <p:nvPr/>
-        </p:nvPicPr>
-        <p:blipFill>
-          <a:blip r:embed="rId2">
-            <a:extLst>
-              <a:ext uri="{28A0092B-C50C-407E-A947-70E740481C1C}">
-                <a14:useLocalDpi xmlns:a14="http://schemas.microsoft.com/office/drawing/2010/main" val="0"/>
-              </a:ext>
-            </a:extLst>
-          </a:blip>
-          <a:stretch>
-            <a:fillRect/>
-          </a:stretch>
-        </p:blipFill>
-        <p:spPr>
-          <a:xfrm>
-            <a:off x="1508760" y="1926939"/>
-            <a:ext cx="6377940" cy="2507976"/>
-          </a:xfrm>
-          <a:prstGeom prst="rect">
-            <a:avLst/>
-          </a:prstGeom>
-        </p:spPr>
-      </p:pic>
-      <p:pic>
-        <p:nvPicPr>
-          <p:cNvPr id="6" name="図 5"/>
-          <p:cNvPicPr>
-            <a:picLocks noChangeAspect="1"/>
-          </p:cNvPicPr>
-          <p:nvPr/>
-        </p:nvPicPr>
-        <p:blipFill>
-          <a:blip r:embed="rId3">
-            <a:extLst>
-              <a:ext uri="{28A0092B-C50C-407E-A947-70E740481C1C}">
-                <a14:useLocalDpi xmlns:a14="http://schemas.microsoft.com/office/drawing/2010/main" val="0"/>
-              </a:ext>
-            </a:extLst>
-          </a:blip>
-          <a:stretch>
-            <a:fillRect/>
-          </a:stretch>
-        </p:blipFill>
-        <p:spPr>
-          <a:xfrm>
-            <a:off x="1570992" y="4895978"/>
-            <a:ext cx="3169539" cy="1480312"/>
-          </a:xfrm>
-          <a:prstGeom prst="rect">
-            <a:avLst/>
-          </a:prstGeom>
-        </p:spPr>
-      </p:pic>
-      <p:sp>
-        <p:nvSpPr>
-          <p:cNvPr id="7" name="テキスト ボックス 6"/>
-          <p:cNvSpPr txBox="1"/>
-          <p:nvPr/>
-        </p:nvSpPr>
-        <p:spPr>
-          <a:xfrm rot="5400000">
-            <a:off x="1671267" y="4467340"/>
-            <a:ext cx="343364" cy="369332"/>
-          </a:xfrm>
-          <a:prstGeom prst="rect">
-            <a:avLst/>
-          </a:prstGeom>
-          <a:noFill/>
-        </p:spPr>
-        <p:txBody>
-          <a:bodyPr wrap="none" rtlCol="0">
-            <a:spAutoFit/>
-          </a:bodyPr>
-          <a:lstStyle/>
-          <a:p>
-            <a:r>
-              <a:rPr kumimoji="1" lang="en-US" altLang="ja-JP" smtClean="0"/>
-              <a:t>…</a:t>
-            </a:r>
-            <a:endParaRPr kumimoji="1" lang="ja-JP" altLang="en-US" dirty="0"/>
-          </a:p>
-        </p:txBody>
-      </p:sp>
-      <p:cxnSp>
-        <p:nvCxnSpPr>
-          <p:cNvPr id="8" name="直線矢印コネクタ 7"/>
-          <p:cNvCxnSpPr/>
-          <p:nvPr/>
-        </p:nvCxnSpPr>
-        <p:spPr>
-          <a:xfrm flipH="1">
-            <a:off x="2002658" y="4486211"/>
-            <a:ext cx="2" cy="379141"/>
-          </a:xfrm>
-          <a:prstGeom prst="straightConnector1">
-            <a:avLst/>
-          </a:prstGeom>
-          <a:ln w="28575">
-            <a:solidFill>
-              <a:srgbClr val="00B050"/>
-            </a:solidFill>
-            <a:tailEnd type="triangle"/>
-          </a:ln>
-        </p:spPr>
-        <p:style>
-          <a:lnRef idx="1">
-            <a:schemeClr val="accent1"/>
-          </a:lnRef>
-          <a:fillRef idx="0">
-            <a:schemeClr val="accent1"/>
-          </a:fillRef>
-          <a:effectRef idx="0">
-            <a:schemeClr val="accent1"/>
-          </a:effectRef>
-          <a:fontRef idx="minor">
-            <a:schemeClr val="tx1"/>
-          </a:fontRef>
-        </p:style>
-      </p:cxnSp>
-      <p:sp>
-        <p:nvSpPr>
-          <p:cNvPr id="9" name="テキスト ボックス 8"/>
-          <p:cNvSpPr txBox="1"/>
-          <p:nvPr/>
-        </p:nvSpPr>
-        <p:spPr>
-          <a:xfrm>
-            <a:off x="2029349" y="4483139"/>
-            <a:ext cx="1275093" cy="369332"/>
-          </a:xfrm>
-          <a:prstGeom prst="rect">
-            <a:avLst/>
-          </a:prstGeom>
-          <a:noFill/>
-        </p:spPr>
-        <p:txBody>
-          <a:bodyPr wrap="none" rtlCol="0">
-            <a:spAutoFit/>
-          </a:bodyPr>
-          <a:lstStyle/>
-          <a:p>
-            <a:r>
-              <a:rPr kumimoji="1" lang="en-US" altLang="ja-JP" smtClean="0"/>
-              <a:t>Scroll </a:t>
-            </a:r>
-            <a:r>
-              <a:rPr kumimoji="1" lang="en-US" altLang="ja-JP" dirty="0" smtClean="0"/>
-              <a:t>down</a:t>
-            </a:r>
-            <a:endParaRPr kumimoji="1" lang="ja-JP" altLang="en-US" dirty="0"/>
-          </a:p>
-        </p:txBody>
-      </p:sp>
-      <p:sp>
-        <p:nvSpPr>
-          <p:cNvPr id="10" name="正方形/長方形 9"/>
-          <p:cNvSpPr/>
-          <p:nvPr/>
-        </p:nvSpPr>
-        <p:spPr>
-          <a:xfrm>
-            <a:off x="2180765" y="5973214"/>
-            <a:ext cx="894944" cy="194563"/>
-          </a:xfrm>
-          <a:prstGeom prst="rect">
-            <a:avLst/>
-          </a:prstGeom>
-          <a:noFill/>
-          <a:ln w="28575">
-            <a:solidFill>
-              <a:srgbClr val="00B050"/>
-            </a:solidFill>
-            <a:prstDash val="sysDash"/>
-          </a:ln>
-        </p:spPr>
-        <p:style>
-          <a:lnRef idx="2">
-            <a:schemeClr val="accent1">
-              <a:shade val="50000"/>
-            </a:schemeClr>
-          </a:lnRef>
-          <a:fillRef idx="1">
-            <a:schemeClr val="accent1"/>
-          </a:fillRef>
-          <a:effectRef idx="0">
-            <a:schemeClr val="accent1"/>
-          </a:effectRef>
-          <a:fontRef idx="minor">
-            <a:schemeClr val="lt1"/>
-          </a:fontRef>
-        </p:style>
-        <p:txBody>
-          <a:bodyPr rtlCol="0" anchor="ctr"/>
-          <a:lstStyle/>
-          <a:p>
-            <a:pPr algn="ctr"/>
-            <a:endParaRPr kumimoji="1" lang="ja-JP" altLang="en-US"/>
-          </a:p>
-        </p:txBody>
-      </p:sp>
-      <p:sp>
-        <p:nvSpPr>
-          <p:cNvPr id="11" name="テキスト ボックス 10"/>
-          <p:cNvSpPr txBox="1"/>
-          <p:nvPr/>
-        </p:nvSpPr>
-        <p:spPr>
-          <a:xfrm>
-            <a:off x="4228785" y="5840556"/>
-            <a:ext cx="3281155" cy="369332"/>
-          </a:xfrm>
-          <a:prstGeom prst="rect">
-            <a:avLst/>
-          </a:prstGeom>
-          <a:noFill/>
-        </p:spPr>
-        <p:txBody>
-          <a:bodyPr wrap="none" rtlCol="0">
-            <a:spAutoFit/>
-          </a:bodyPr>
-          <a:lstStyle/>
-          <a:p>
-            <a:r>
-              <a:rPr kumimoji="1" lang="en-US" altLang="ja-JP" dirty="0" smtClean="0"/>
-              <a:t>click here and download a </a:t>
-            </a:r>
-            <a:r>
-              <a:rPr kumimoji="1" lang="en-US" altLang="ja-JP" dirty="0" err="1" smtClean="0"/>
-              <a:t>jarfile</a:t>
-            </a:r>
-            <a:r>
-              <a:rPr kumimoji="1" lang="en-US" altLang="ja-JP" dirty="0" smtClean="0"/>
-              <a:t>.</a:t>
-            </a:r>
-            <a:endParaRPr kumimoji="1" lang="ja-JP" altLang="en-US" dirty="0"/>
-          </a:p>
-        </p:txBody>
-      </p:sp>
-      <p:cxnSp>
-        <p:nvCxnSpPr>
-          <p:cNvPr id="12" name="直線矢印コネクタ 11"/>
-          <p:cNvCxnSpPr/>
-          <p:nvPr/>
-        </p:nvCxnSpPr>
-        <p:spPr>
-          <a:xfrm flipV="1">
-            <a:off x="3143770" y="6054930"/>
-            <a:ext cx="1080607" cy="3142"/>
-          </a:xfrm>
-          <a:prstGeom prst="straightConnector1">
-            <a:avLst/>
-          </a:prstGeom>
-          <a:ln w="28575">
-            <a:solidFill>
-              <a:srgbClr val="00B050"/>
-            </a:solidFill>
-            <a:tailEnd type="triangle"/>
-          </a:ln>
-        </p:spPr>
-        <p:style>
-          <a:lnRef idx="1">
-            <a:schemeClr val="accent1"/>
-          </a:lnRef>
-          <a:fillRef idx="0">
-            <a:schemeClr val="accent1"/>
-          </a:fillRef>
-          <a:effectRef idx="0">
-            <a:schemeClr val="accent1"/>
-          </a:effectRef>
-          <a:fontRef idx="minor">
-            <a:schemeClr val="tx1"/>
-          </a:fontRef>
-        </p:style>
-      </p:cxnSp>
-      <p:sp>
-        <p:nvSpPr>
-          <p:cNvPr id="14" name="テキスト ボックス 13"/>
-          <p:cNvSpPr txBox="1"/>
-          <p:nvPr/>
-        </p:nvSpPr>
-        <p:spPr>
-          <a:xfrm>
-            <a:off x="754381" y="6419519"/>
-            <a:ext cx="5487393" cy="369332"/>
-          </a:xfrm>
-          <a:prstGeom prst="rect">
-            <a:avLst/>
-          </a:prstGeom>
-          <a:noFill/>
-        </p:spPr>
-        <p:txBody>
-          <a:bodyPr wrap="square" rtlCol="0">
-            <a:spAutoFit/>
-          </a:bodyPr>
-          <a:lstStyle/>
-          <a:p>
-            <a:r>
-              <a:rPr kumimoji="1" lang="en-US" altLang="ja-JP" dirty="0" smtClean="0"/>
-              <a:t>Then, copy the </a:t>
-            </a:r>
-            <a:r>
-              <a:rPr kumimoji="1" lang="en-US" altLang="ja-JP" dirty="0" err="1" smtClean="0"/>
-              <a:t>jarfile</a:t>
-            </a:r>
-            <a:r>
-              <a:rPr kumimoji="1" lang="en-US" altLang="ja-JP" dirty="0" smtClean="0"/>
-              <a:t> to the extension folder as before.</a:t>
-            </a:r>
-            <a:endParaRPr kumimoji="1" lang="ja-JP" altLang="en-US" dirty="0"/>
-          </a:p>
-        </p:txBody>
-      </p:sp>
-    </p:spTree>
-    <p:extLst>
-      <p:ext uri="{BB962C8B-B14F-4D97-AF65-F5344CB8AC3E}">
-        <p14:creationId xmlns:p14="http://schemas.microsoft.com/office/powerpoint/2010/main" val="1726093901"/>
-      </p:ext>
-    </p:extLst>
-  </p:cSld>
-  <p:clrMapOvr>
-    <a:masterClrMapping/>
-  </p:clrMapOvr>
-</p:sld>
-</file>
-
-<file path=ppt/slides/slide8.xml><?xml version="1.0" encoding="utf-8"?>
-<p:sld xmlns:a="http://schemas.openxmlformats.org/drawingml/2006/main" xmlns:r="http://schemas.openxmlformats.org/officeDocument/2006/relationships" xmlns:p="http://schemas.openxmlformats.org/presentationml/2006/main">
-  <p:cSld>
-    <p:spTree>
-      <p:nvGrpSpPr>
-        <p:cNvPr id="1" name=""/>
-        <p:cNvGrpSpPr/>
-        <p:nvPr/>
-      </p:nvGrpSpPr>
-      <p:grpSpPr>
-        <a:xfrm>
-          <a:off x="0" y="0"/>
-          <a:ext cx="0" cy="0"/>
-          <a:chOff x="0" y="0"/>
-          <a:chExt cx="0" cy="0"/>
-        </a:xfrm>
-      </p:grpSpPr>
-      <p:sp>
-        <p:nvSpPr>
-          <p:cNvPr id="2" name="タイトル 1"/>
-          <p:cNvSpPr>
-            <a:spLocks noGrp="1"/>
-          </p:cNvSpPr>
-          <p:nvPr>
-            <p:ph type="title"/>
-          </p:nvPr>
-        </p:nvSpPr>
-        <p:spPr/>
-        <p:txBody>
-          <a:bodyPr/>
-          <a:lstStyle/>
-          <a:p>
-            <a:r>
-              <a:rPr kumimoji="1" lang="en-US" altLang="ja-JP" dirty="0" smtClean="0"/>
-              <a:t>4. Setting up </a:t>
-            </a:r>
-            <a:r>
-              <a:rPr kumimoji="1" lang="en-US" altLang="ja-JP" dirty="0" err="1" smtClean="0"/>
-              <a:t>JSindo</a:t>
-            </a:r>
-            <a:endParaRPr kumimoji="1" lang="ja-JP" altLang="en-US" dirty="0"/>
-          </a:p>
-        </p:txBody>
-      </p:sp>
-      <p:pic>
-        <p:nvPicPr>
-          <p:cNvPr id="3" name="図 9"/>
-          <p:cNvPicPr>
-            <a:picLocks noChangeAspect="1"/>
-          </p:cNvPicPr>
-          <p:nvPr/>
-        </p:nvPicPr>
-        <p:blipFill rotWithShape="1">
-          <a:blip r:embed="rId2">
-            <a:extLst>
-              <a:ext uri="{28A0092B-C50C-407E-A947-70E740481C1C}">
-                <a14:useLocalDpi xmlns:a14="http://schemas.microsoft.com/office/drawing/2010/main" val="0"/>
-              </a:ext>
-            </a:extLst>
-          </a:blip>
-          <a:srcRect b="1168"/>
-          <a:stretch/>
-        </p:blipFill>
-        <p:spPr bwMode="auto">
-          <a:xfrm>
-            <a:off x="5393913" y="986805"/>
-            <a:ext cx="3404900" cy="1268257"/>
-          </a:xfrm>
-          <a:prstGeom prst="rect">
-            <a:avLst/>
-          </a:prstGeom>
-          <a:noFill/>
-          <a:ln w="9525">
-            <a:solidFill>
-              <a:srgbClr val="000000"/>
-            </a:solidFill>
-            <a:miter lim="800000"/>
-            <a:headEnd/>
-            <a:tailEnd/>
-          </a:ln>
-          <a:extLst>
-            <a:ext uri="{909E8E84-426E-40DD-AFC4-6F175D3DCCD1}">
-              <a14:hiddenFill xmlns:a14="http://schemas.microsoft.com/office/drawing/2010/main">
-                <a:solidFill>
-                  <a:srgbClr val="FFFFFF"/>
-                </a:solidFill>
-              </a14:hiddenFill>
-            </a:ext>
-          </a:extLst>
-        </p:spPr>
-      </p:pic>
-      <p:sp>
-        <p:nvSpPr>
-          <p:cNvPr id="4" name="テキスト ボックス 3"/>
-          <p:cNvSpPr txBox="1"/>
-          <p:nvPr/>
-        </p:nvSpPr>
-        <p:spPr>
-          <a:xfrm>
-            <a:off x="322815" y="1229348"/>
-            <a:ext cx="5077859" cy="4524315"/>
-          </a:xfrm>
-          <a:prstGeom prst="rect">
-            <a:avLst/>
-          </a:prstGeom>
-          <a:noFill/>
-        </p:spPr>
-        <p:txBody>
-          <a:bodyPr wrap="square" rtlCol="0">
-            <a:spAutoFit/>
-          </a:bodyPr>
-          <a:lstStyle/>
-          <a:p>
-            <a:r>
-              <a:rPr lang="en-US" altLang="ja-JP" dirty="0" smtClean="0"/>
-              <a:t>Now, double click JSindo-4.0_xxxxxx.jar.  You should see a control panel of </a:t>
-            </a:r>
-            <a:r>
-              <a:rPr lang="en-US" altLang="ja-JP" dirty="0" err="1" smtClean="0"/>
-              <a:t>JSindo</a:t>
-            </a:r>
-            <a:r>
-              <a:rPr lang="en-US" altLang="ja-JP" dirty="0" smtClean="0"/>
-              <a:t>.</a:t>
-            </a:r>
-          </a:p>
-          <a:p>
-            <a:endParaRPr lang="en-US" altLang="ja-JP" dirty="0" smtClean="0"/>
-          </a:p>
-          <a:p>
-            <a:pPr lvl="1"/>
-            <a:r>
-              <a:rPr lang="en-US" altLang="ja-JP" dirty="0" smtClean="0"/>
-              <a:t>If </a:t>
-            </a:r>
-            <a:r>
-              <a:rPr lang="en-US" altLang="ja-JP" dirty="0"/>
-              <a:t>you don’t see </a:t>
-            </a:r>
-            <a:r>
-              <a:rPr lang="en-US" altLang="ja-JP" dirty="0" smtClean="0"/>
-              <a:t>the </a:t>
-            </a:r>
-            <a:r>
-              <a:rPr lang="en-US" altLang="ja-JP" dirty="0"/>
-              <a:t>panel, review the installation of </a:t>
-            </a:r>
-            <a:r>
-              <a:rPr lang="en-US" altLang="ja-JP" dirty="0" smtClean="0"/>
-              <a:t>Java. </a:t>
-            </a:r>
-          </a:p>
-          <a:p>
-            <a:endParaRPr lang="en-US" altLang="ja-JP" dirty="0" smtClean="0"/>
-          </a:p>
-          <a:p>
-            <a:r>
-              <a:rPr lang="en-US" altLang="ja-JP" dirty="0" smtClean="0"/>
-              <a:t>Let’s open “h2co.minfo”, </a:t>
-            </a:r>
-            <a:r>
-              <a:rPr lang="en-US" altLang="ja-JP" dirty="0"/>
-              <a:t>which comes with this </a:t>
-            </a:r>
-            <a:r>
-              <a:rPr lang="en-US" altLang="ja-JP" dirty="0" smtClean="0"/>
-              <a:t>document. It contains data of formaldehyde.</a:t>
-            </a:r>
-          </a:p>
-          <a:p>
-            <a:endParaRPr lang="en-US" altLang="ja-JP" dirty="0"/>
-          </a:p>
-          <a:p>
-            <a:r>
-              <a:rPr lang="en-US" altLang="ja-JP" dirty="0" smtClean="0"/>
-              <a:t>Click, File -&gt; Open, choose </a:t>
-            </a:r>
-            <a:r>
-              <a:rPr lang="en-US" altLang="ja-JP" dirty="0"/>
-              <a:t>“h2co.minfo</a:t>
-            </a:r>
-            <a:r>
-              <a:rPr lang="en-US" altLang="ja-JP" dirty="0" smtClean="0"/>
-              <a:t>”, and click Open. If you see formaldehyde, you’re done with the first step!</a:t>
-            </a:r>
-          </a:p>
-          <a:p>
-            <a:endParaRPr lang="en-US" altLang="ja-JP" dirty="0" smtClean="0"/>
-          </a:p>
-          <a:p>
-            <a:pPr lvl="1"/>
-            <a:r>
-              <a:rPr lang="en-US" altLang="ja-JP" dirty="0" smtClean="0"/>
-              <a:t>If this step fails, it is highly likely that Java3D has a problem. Check that </a:t>
-            </a:r>
-            <a:r>
-              <a:rPr lang="en-US" altLang="ja-JP" dirty="0" err="1" smtClean="0"/>
-              <a:t>jarfiles</a:t>
-            </a:r>
-            <a:r>
-              <a:rPr lang="en-US" altLang="ja-JP" dirty="0" smtClean="0"/>
-              <a:t> are copied to the right extension folder.</a:t>
-            </a:r>
-          </a:p>
-        </p:txBody>
-      </p:sp>
-      <p:cxnSp>
-        <p:nvCxnSpPr>
-          <p:cNvPr id="12" name="直線矢印コネクタ 11"/>
-          <p:cNvCxnSpPr/>
-          <p:nvPr/>
-        </p:nvCxnSpPr>
-        <p:spPr>
-          <a:xfrm>
-            <a:off x="5550185" y="1328758"/>
-            <a:ext cx="0" cy="1278485"/>
-          </a:xfrm>
-          <a:prstGeom prst="straightConnector1">
-            <a:avLst/>
-          </a:prstGeom>
-          <a:ln w="28575">
-            <a:solidFill>
-              <a:srgbClr val="00B050"/>
-            </a:solidFill>
-            <a:tailEnd type="triangle"/>
-          </a:ln>
-        </p:spPr>
-        <p:style>
-          <a:lnRef idx="1">
-            <a:schemeClr val="accent1"/>
-          </a:lnRef>
-          <a:fillRef idx="0">
-            <a:schemeClr val="accent1"/>
-          </a:fillRef>
-          <a:effectRef idx="0">
-            <a:schemeClr val="accent1"/>
-          </a:effectRef>
-          <a:fontRef idx="minor">
-            <a:schemeClr val="tx1"/>
-          </a:fontRef>
-        </p:style>
-      </p:cxnSp>
-      <p:sp>
-        <p:nvSpPr>
-          <p:cNvPr id="13" name="テキスト ボックス 12"/>
-          <p:cNvSpPr txBox="1"/>
-          <p:nvPr/>
-        </p:nvSpPr>
-        <p:spPr>
-          <a:xfrm>
-            <a:off x="5597499" y="1346311"/>
-            <a:ext cx="696024" cy="369332"/>
-          </a:xfrm>
-          <a:prstGeom prst="rect">
-            <a:avLst/>
-          </a:prstGeom>
-          <a:noFill/>
-        </p:spPr>
-        <p:txBody>
-          <a:bodyPr wrap="none" rtlCol="0">
-            <a:spAutoFit/>
-          </a:bodyPr>
-          <a:lstStyle/>
-          <a:p>
-            <a:r>
-              <a:rPr kumimoji="1" lang="en-US" altLang="ja-JP" dirty="0" smtClean="0"/>
-              <a:t>Open</a:t>
-            </a:r>
-            <a:endParaRPr kumimoji="1" lang="ja-JP" altLang="en-US" dirty="0"/>
-          </a:p>
-        </p:txBody>
-      </p:sp>
-      <p:pic>
-        <p:nvPicPr>
-          <p:cNvPr id="9" name="図 8"/>
-          <p:cNvPicPr>
-            <a:picLocks noChangeAspect="1"/>
-          </p:cNvPicPr>
-          <p:nvPr/>
-        </p:nvPicPr>
-        <p:blipFill rotWithShape="1">
-          <a:blip r:embed="rId3">
-            <a:extLst>
-              <a:ext uri="{28A0092B-C50C-407E-A947-70E740481C1C}">
-                <a14:useLocalDpi xmlns:a14="http://schemas.microsoft.com/office/drawing/2010/main" val="0"/>
-              </a:ext>
-            </a:extLst>
-          </a:blip>
-          <a:srcRect l="9182" t="7774" r="8854" b="19884"/>
-          <a:stretch/>
-        </p:blipFill>
-        <p:spPr>
-          <a:xfrm>
-            <a:off x="5481037" y="2694129"/>
-            <a:ext cx="2379121" cy="1328104"/>
-          </a:xfrm>
-          <a:prstGeom prst="rect">
-            <a:avLst/>
-          </a:prstGeom>
-          <a:ln>
-            <a:solidFill>
-              <a:schemeClr val="accent1"/>
-            </a:solidFill>
-          </a:ln>
-        </p:spPr>
-      </p:pic>
-      <p:sp>
-        <p:nvSpPr>
-          <p:cNvPr id="15" name="正方形/長方形 14"/>
-          <p:cNvSpPr/>
-          <p:nvPr/>
-        </p:nvSpPr>
-        <p:spPr>
-          <a:xfrm>
-            <a:off x="5527220" y="3055732"/>
-            <a:ext cx="480188" cy="141777"/>
-          </a:xfrm>
-          <a:prstGeom prst="rect">
-            <a:avLst/>
-          </a:prstGeom>
-          <a:noFill/>
-          <a:ln w="28575">
-            <a:solidFill>
-              <a:srgbClr val="00B050"/>
-            </a:solidFill>
-            <a:prstDash val="sysDash"/>
-          </a:ln>
-        </p:spPr>
-        <p:style>
-          <a:lnRef idx="2">
-            <a:schemeClr val="accent1">
-              <a:shade val="50000"/>
-            </a:schemeClr>
-          </a:lnRef>
-          <a:fillRef idx="1">
-            <a:schemeClr val="accent1"/>
-          </a:fillRef>
-          <a:effectRef idx="0">
-            <a:schemeClr val="accent1"/>
-          </a:effectRef>
-          <a:fontRef idx="minor">
-            <a:schemeClr val="lt1"/>
-          </a:fontRef>
-        </p:style>
-        <p:txBody>
-          <a:bodyPr rtlCol="0" anchor="ctr"/>
-          <a:lstStyle/>
-          <a:p>
-            <a:pPr algn="ctr"/>
-            <a:endParaRPr kumimoji="1" lang="ja-JP" altLang="en-US"/>
-          </a:p>
-        </p:txBody>
-      </p:sp>
-      <p:cxnSp>
-        <p:nvCxnSpPr>
-          <p:cNvPr id="17" name="直線矢印コネクタ 16"/>
-          <p:cNvCxnSpPr/>
-          <p:nvPr/>
-        </p:nvCxnSpPr>
-        <p:spPr>
-          <a:xfrm>
-            <a:off x="7578899" y="3995652"/>
-            <a:ext cx="7181" cy="323779"/>
-          </a:xfrm>
-          <a:prstGeom prst="straightConnector1">
-            <a:avLst/>
-          </a:prstGeom>
-          <a:ln w="28575">
-            <a:solidFill>
-              <a:srgbClr val="00B050"/>
-            </a:solidFill>
-            <a:tailEnd type="triangle"/>
-          </a:ln>
-        </p:spPr>
-        <p:style>
-          <a:lnRef idx="1">
-            <a:schemeClr val="accent1"/>
-          </a:lnRef>
-          <a:fillRef idx="0">
-            <a:schemeClr val="accent1"/>
-          </a:fillRef>
-          <a:effectRef idx="0">
-            <a:schemeClr val="accent1"/>
-          </a:effectRef>
-          <a:fontRef idx="minor">
-            <a:schemeClr val="tx1"/>
-          </a:fontRef>
-        </p:style>
-      </p:cxnSp>
-      <p:sp>
-        <p:nvSpPr>
-          <p:cNvPr id="19" name="テキスト ボックス 18"/>
-          <p:cNvSpPr txBox="1"/>
-          <p:nvPr/>
-        </p:nvSpPr>
-        <p:spPr>
-          <a:xfrm>
-            <a:off x="5939447" y="3134127"/>
-            <a:ext cx="1094124" cy="258837"/>
-          </a:xfrm>
-          <a:prstGeom prst="rect">
-            <a:avLst/>
-          </a:prstGeom>
-          <a:noFill/>
-        </p:spPr>
-        <p:txBody>
-          <a:bodyPr wrap="none" rtlCol="0">
-            <a:spAutoFit/>
-          </a:bodyPr>
-          <a:lstStyle/>
-          <a:p>
-            <a:r>
-              <a:rPr kumimoji="1" lang="en-US" altLang="ja-JP" dirty="0" smtClean="0"/>
-              <a:t>click to choose</a:t>
-            </a:r>
-            <a:endParaRPr kumimoji="1" lang="ja-JP" altLang="en-US" dirty="0"/>
-          </a:p>
-        </p:txBody>
-      </p:sp>
-      <p:sp>
-        <p:nvSpPr>
-          <p:cNvPr id="22" name="正方形/長方形 21"/>
-          <p:cNvSpPr/>
-          <p:nvPr/>
-        </p:nvSpPr>
-        <p:spPr>
-          <a:xfrm>
-            <a:off x="7395430" y="3816722"/>
-            <a:ext cx="391620" cy="150819"/>
-          </a:xfrm>
-          <a:prstGeom prst="rect">
-            <a:avLst/>
-          </a:prstGeom>
-          <a:noFill/>
-          <a:ln w="28575">
-            <a:solidFill>
-              <a:srgbClr val="00B050"/>
-            </a:solidFill>
-            <a:prstDash val="sysDash"/>
-          </a:ln>
-        </p:spPr>
-        <p:style>
-          <a:lnRef idx="2">
-            <a:schemeClr val="accent1">
-              <a:shade val="50000"/>
-            </a:schemeClr>
-          </a:lnRef>
-          <a:fillRef idx="1">
-            <a:schemeClr val="accent1"/>
-          </a:fillRef>
-          <a:effectRef idx="0">
-            <a:schemeClr val="accent1"/>
-          </a:effectRef>
-          <a:fontRef idx="minor">
-            <a:schemeClr val="lt1"/>
-          </a:fontRef>
-        </p:style>
-        <p:txBody>
-          <a:bodyPr rtlCol="0" anchor="ctr"/>
-          <a:lstStyle/>
-          <a:p>
-            <a:pPr algn="ctr"/>
-            <a:endParaRPr kumimoji="1" lang="ja-JP" altLang="en-US"/>
-          </a:p>
-        </p:txBody>
-      </p:sp>
-      <p:pic>
-        <p:nvPicPr>
-          <p:cNvPr id="5" name="図 4"/>
-          <p:cNvPicPr>
-            <a:picLocks noChangeAspect="1"/>
-          </p:cNvPicPr>
-          <p:nvPr/>
-        </p:nvPicPr>
-        <p:blipFill rotWithShape="1">
-          <a:blip r:embed="rId4">
-            <a:extLst>
-              <a:ext uri="{28A0092B-C50C-407E-A947-70E740481C1C}">
-                <a14:useLocalDpi xmlns:a14="http://schemas.microsoft.com/office/drawing/2010/main" val="0"/>
-              </a:ext>
-            </a:extLst>
-          </a:blip>
-          <a:srcRect l="9606" t="5208" r="9167" b="14212"/>
-          <a:stretch/>
-        </p:blipFill>
-        <p:spPr>
-          <a:xfrm>
-            <a:off x="6586537" y="4430320"/>
-            <a:ext cx="1943099" cy="1927617"/>
-          </a:xfrm>
-          <a:prstGeom prst="rect">
-            <a:avLst/>
-          </a:prstGeom>
-          <a:ln>
-            <a:solidFill>
-              <a:schemeClr val="accent1"/>
-            </a:solidFill>
-          </a:ln>
-        </p:spPr>
-      </p:pic>
-    </p:spTree>
-    <p:extLst>
-      <p:ext uri="{BB962C8B-B14F-4D97-AF65-F5344CB8AC3E}">
-        <p14:creationId xmlns:p14="http://schemas.microsoft.com/office/powerpoint/2010/main" val="843782317"/>
-      </p:ext>
-    </p:extLst>
-  </p:cSld>
-  <p:clrMapOvr>
-    <a:masterClrMapping/>
-  </p:clrMapOvr>
-</p:sld>
-</file>
-
-<file path=ppt/slides/slide9.xml><?xml version="1.0" encoding="utf-8"?>
-<p:sld xmlns:a="http://schemas.openxmlformats.org/drawingml/2006/main" xmlns:r="http://schemas.openxmlformats.org/officeDocument/2006/relationships" xmlns:p="http://schemas.openxmlformats.org/presentationml/2006/main">
-  <p:cSld>
-    <p:spTree>
-      <p:nvGrpSpPr>
-        <p:cNvPr id="1" name=""/>
-        <p:cNvGrpSpPr/>
-        <p:nvPr/>
-      </p:nvGrpSpPr>
-      <p:grpSpPr>
-        <a:xfrm>
-          <a:off x="0" y="0"/>
-          <a:ext cx="0" cy="0"/>
-          <a:chOff x="0" y="0"/>
-          <a:chExt cx="0" cy="0"/>
-        </a:xfrm>
-      </p:grpSpPr>
-      <p:sp>
-        <p:nvSpPr>
-          <p:cNvPr id="22529" name="スライド番号プレースホルダー 1"/>
-          <p:cNvSpPr>
-            <a:spLocks noGrp="1"/>
-          </p:cNvSpPr>
-          <p:nvPr>
-            <p:ph type="sldNum" sz="quarter" idx="12"/>
-          </p:nvPr>
-        </p:nvSpPr>
-        <p:spPr>
+            <a:off x="6457950" y="6356351"/>
+            <a:ext cx="2057400" cy="365125"/>
+          </a:xfrm>
           <a:noFill/>
           <a:extLst>
             <a:ext uri="{909E8E84-426E-40DD-AFC4-6F175D3DCCD1}">
@@ -7360,7 +4259,7 @@
                 <a:buFontTx/>
                 <a:buNone/>
               </a:pPr>
-              <a:t>9</a:t>
+              <a:t>4</a:t>
             </a:fld>
             <a:endParaRPr kumimoji="0" lang="en-US" altLang="ja-JP" sz="1400"/>
           </a:p>
@@ -7368,7 +4267,7 @@
       </p:sp>
       <p:pic>
         <p:nvPicPr>
-          <p:cNvPr id="13" name="図 9"/>
+          <p:cNvPr id="6" name="図 9"/>
           <p:cNvPicPr>
             <a:picLocks noChangeAspect="1"/>
           </p:cNvPicPr>
@@ -7417,7 +4316,7 @@
       </p:pic>
       <p:cxnSp>
         <p:nvCxnSpPr>
-          <p:cNvPr id="14" name="直線矢印コネクタ 13"/>
+          <p:cNvPr id="7" name="直線矢印コネクタ 6"/>
           <p:cNvCxnSpPr/>
           <p:nvPr/>
         </p:nvCxnSpPr>
@@ -7453,7 +4352,7 @@
       </p:cxnSp>
       <p:sp>
         <p:nvSpPr>
-          <p:cNvPr id="15" name="テキスト ボックス 14"/>
+          <p:cNvPr id="8" name="テキスト ボックス 7"/>
           <p:cNvSpPr txBox="1"/>
           <p:nvPr/>
         </p:nvSpPr>
@@ -7481,130 +4380,9 @@
           </a:p>
         </p:txBody>
       </p:sp>
-      <p:sp>
-        <p:nvSpPr>
-          <p:cNvPr id="16" name="テキスト ボックス 15"/>
-          <p:cNvSpPr txBox="1"/>
-          <p:nvPr/>
-        </p:nvSpPr>
-        <p:spPr>
-          <a:xfrm>
-            <a:off x="225833" y="841421"/>
-            <a:ext cx="5077859" cy="5078313"/>
-          </a:xfrm>
-          <a:prstGeom prst="rect">
-            <a:avLst/>
-          </a:prstGeom>
-          <a:noFill/>
-        </p:spPr>
-        <p:txBody>
-          <a:bodyPr wrap="square" rtlCol="0">
-            <a:spAutoFit/>
-          </a:bodyPr>
-          <a:lstStyle/>
-          <a:p>
-            <a:r>
-              <a:rPr lang="en-US" altLang="ja-JP" dirty="0" smtClean="0"/>
-              <a:t>Finally, </a:t>
-            </a:r>
-            <a:r>
-              <a:rPr lang="en-US" altLang="ja-JP" dirty="0" err="1" smtClean="0"/>
-              <a:t>goto</a:t>
-            </a:r>
-            <a:r>
-              <a:rPr lang="en-US" altLang="ja-JP" dirty="0" smtClean="0"/>
-              <a:t> Tools -&gt; Harmonic Analysis. This will create a “Normal modes” panel. </a:t>
-            </a:r>
-          </a:p>
-          <a:p>
-            <a:endParaRPr lang="en-US" altLang="ja-JP" dirty="0" smtClean="0"/>
-          </a:p>
-          <a:p>
-            <a:pPr lvl="1"/>
-            <a:r>
-              <a:rPr lang="en-US" altLang="ja-JP" dirty="0" smtClean="0"/>
-              <a:t>If </a:t>
-            </a:r>
-            <a:r>
-              <a:rPr lang="en-US" altLang="ja-JP" dirty="0"/>
-              <a:t>you don’t see </a:t>
-            </a:r>
-            <a:r>
-              <a:rPr lang="en-US" altLang="ja-JP" dirty="0" smtClean="0"/>
-              <a:t>this </a:t>
-            </a:r>
-            <a:r>
-              <a:rPr lang="en-US" altLang="ja-JP" dirty="0"/>
-              <a:t>panel, </a:t>
-            </a:r>
-            <a:r>
-              <a:rPr lang="en-US" altLang="ja-JP" dirty="0" smtClean="0"/>
-              <a:t>JAMA isn’t working. Check if the </a:t>
-            </a:r>
-            <a:r>
-              <a:rPr lang="en-US" altLang="ja-JP" dirty="0" err="1" smtClean="0"/>
-              <a:t>jarfile</a:t>
-            </a:r>
-            <a:r>
-              <a:rPr lang="en-US" altLang="ja-JP" dirty="0" smtClean="0"/>
-              <a:t> of JAMA is placed in the right folder.</a:t>
-            </a:r>
-            <a:endParaRPr lang="en-US" altLang="ja-JP" dirty="0"/>
-          </a:p>
-          <a:p>
-            <a:endParaRPr lang="en-US" altLang="ja-JP" dirty="0" smtClean="0"/>
-          </a:p>
-          <a:p>
-            <a:r>
-              <a:rPr lang="en-US" altLang="ja-JP" dirty="0" smtClean="0"/>
-              <a:t>If you see this panel, you’re all set! </a:t>
-            </a:r>
-            <a:r>
-              <a:rPr lang="en-US" altLang="ja-JP" dirty="0" err="1" smtClean="0"/>
-              <a:t>Congradulations</a:t>
-            </a:r>
-            <a:r>
-              <a:rPr lang="en-US" altLang="ja-JP" dirty="0" smtClean="0"/>
-              <a:t>!</a:t>
-            </a:r>
-          </a:p>
-          <a:p>
-            <a:endParaRPr lang="en-US" altLang="ja-JP" dirty="0" smtClean="0"/>
-          </a:p>
-          <a:p>
-            <a:endParaRPr lang="en-US" altLang="ja-JP" dirty="0"/>
-          </a:p>
-          <a:p>
-            <a:r>
-              <a:rPr lang="en-US" altLang="ja-JP" dirty="0" smtClean="0"/>
-              <a:t>Check on ”show vibrational coordinates”, and choose a mode you want to see. Vibrational motion will be indicated by arrows. You can “Invert the arrows” by a check box, and change the magnitude using a slider. </a:t>
-            </a:r>
-          </a:p>
-          <a:p>
-            <a:endParaRPr lang="en-US" altLang="ja-JP" dirty="0"/>
-          </a:p>
-          <a:p>
-            <a:endParaRPr lang="en-US" altLang="ja-JP" dirty="0" smtClean="0"/>
-          </a:p>
-          <a:p>
-            <a:r>
-              <a:rPr lang="en-US" altLang="ja-JP" dirty="0" smtClean="0"/>
-              <a:t>Enjoy! Thanks for using </a:t>
-            </a:r>
-            <a:r>
-              <a:rPr lang="en-US" altLang="ja-JP" dirty="0" err="1" smtClean="0"/>
-              <a:t>JSindo</a:t>
-            </a:r>
-            <a:r>
-              <a:rPr lang="en-US" altLang="ja-JP" dirty="0" smtClean="0"/>
-              <a:t>!</a:t>
-            </a:r>
-          </a:p>
-        </p:txBody>
-      </p:sp>
       <p:pic>
         <p:nvPicPr>
-          <p:cNvPr id="2" name="図 1"/>
+          <p:cNvPr id="9" name="図 8"/>
           <p:cNvPicPr>
             <a:picLocks noChangeAspect="1"/>
           </p:cNvPicPr>
@@ -7638,7 +4416,7 @@
       </p:pic>
       <p:pic>
         <p:nvPicPr>
-          <p:cNvPr id="3" name="図 2"/>
+          <p:cNvPr id="10" name="図 9"/>
           <p:cNvPicPr>
             <a:picLocks noChangeAspect="1"/>
           </p:cNvPicPr>
@@ -7673,20 +4451,216 @@
     </p:spTree>
     <p:extLst>
       <p:ext uri="{BB962C8B-B14F-4D97-AF65-F5344CB8AC3E}">
-        <p14:creationId xmlns:p14="http://schemas.microsoft.com/office/powerpoint/2010/main" val="580357277"/>
+        <p14:creationId xmlns:p14="http://schemas.microsoft.com/office/powerpoint/2010/main" val="380795105"/>
       </p:ext>
     </p:extLst>
   </p:cSld>
   <p:clrMapOvr>
     <a:masterClrMapping/>
   </p:clrMapOvr>
-  <p:timing>
-    <p:tnLst>
-      <p:par>
-        <p:cTn id="1" dur="indefinite" restart="never" nodeType="tmRoot"/>
-      </p:par>
-    </p:tnLst>
-  </p:timing>
+</p:sld>
+</file>
+
+<file path=ppt/slides/slide5.xml><?xml version="1.0" encoding="utf-8"?>
+<p:sld xmlns:a="http://schemas.openxmlformats.org/drawingml/2006/main" xmlns:r="http://schemas.openxmlformats.org/officeDocument/2006/relationships" xmlns:p="http://schemas.openxmlformats.org/presentationml/2006/main">
+  <p:cSld>
+    <p:spTree>
+      <p:nvGrpSpPr>
+        <p:cNvPr id="1" name=""/>
+        <p:cNvGrpSpPr/>
+        <p:nvPr/>
+      </p:nvGrpSpPr>
+      <p:grpSpPr>
+        <a:xfrm>
+          <a:off x="0" y="0"/>
+          <a:ext cx="0" cy="0"/>
+          <a:chOff x="0" y="0"/>
+          <a:chExt cx="0" cy="0"/>
+        </a:xfrm>
+      </p:grpSpPr>
+      <p:sp>
+        <p:nvSpPr>
+          <p:cNvPr id="2" name="タイトル 1"/>
+          <p:cNvSpPr>
+            <a:spLocks noGrp="1"/>
+          </p:cNvSpPr>
+          <p:nvPr>
+            <p:ph type="title"/>
+          </p:nvPr>
+        </p:nvSpPr>
+        <p:spPr/>
+        <p:txBody>
+          <a:bodyPr/>
+          <a:lstStyle/>
+          <a:p>
+            <a:r>
+              <a:rPr kumimoji="1" lang="en-US" altLang="ja-JP" smtClean="0"/>
+              <a:t>Appendix. </a:t>
+            </a:r>
+            <a:r>
+              <a:rPr kumimoji="1" lang="en-US" altLang="ja-JP" dirty="0" err="1" smtClean="0"/>
+              <a:t>minfo</a:t>
+            </a:r>
+            <a:r>
+              <a:rPr kumimoji="1" lang="en-US" altLang="ja-JP" dirty="0" smtClean="0"/>
+              <a:t> file</a:t>
+            </a:r>
+            <a:endParaRPr kumimoji="1" lang="ja-JP" altLang="en-US" dirty="0"/>
+          </a:p>
+        </p:txBody>
+      </p:sp>
+      <p:sp>
+        <p:nvSpPr>
+          <p:cNvPr id="4" name="テキスト ボックス 3"/>
+          <p:cNvSpPr txBox="1"/>
+          <p:nvPr/>
+        </p:nvSpPr>
+        <p:spPr>
+          <a:xfrm>
+            <a:off x="940526" y="1436914"/>
+            <a:ext cx="1884490" cy="369332"/>
+          </a:xfrm>
+          <a:prstGeom prst="rect">
+            <a:avLst/>
+          </a:prstGeom>
+          <a:noFill/>
+        </p:spPr>
+        <p:txBody>
+          <a:bodyPr wrap="none" rtlCol="0">
+            <a:spAutoFit/>
+          </a:bodyPr>
+          <a:lstStyle/>
+          <a:p>
+            <a:r>
+              <a:rPr kumimoji="1" lang="en-US" altLang="ja-JP" dirty="0" err="1" smtClean="0"/>
+              <a:t>minfo</a:t>
+            </a:r>
+            <a:r>
+              <a:rPr kumimoji="1" lang="ja-JP" altLang="en-US" dirty="0" smtClean="0"/>
+              <a:t>形式の説明</a:t>
+            </a:r>
+            <a:endParaRPr kumimoji="1" lang="ja-JP" altLang="en-US" dirty="0"/>
+          </a:p>
+        </p:txBody>
+      </p:sp>
+    </p:spTree>
+    <p:extLst>
+      <p:ext uri="{BB962C8B-B14F-4D97-AF65-F5344CB8AC3E}">
+        <p14:creationId xmlns:p14="http://schemas.microsoft.com/office/powerpoint/2010/main" val="35696427"/>
+      </p:ext>
+    </p:extLst>
+  </p:cSld>
+  <p:clrMapOvr>
+    <a:masterClrMapping/>
+  </p:clrMapOvr>
+</p:sld>
+</file>
+
+<file path=ppt/slides/slide6.xml><?xml version="1.0" encoding="utf-8"?>
+<p:sld xmlns:a="http://schemas.openxmlformats.org/drawingml/2006/main" xmlns:r="http://schemas.openxmlformats.org/officeDocument/2006/relationships" xmlns:p="http://schemas.openxmlformats.org/presentationml/2006/main">
+  <p:cSld>
+    <p:spTree>
+      <p:nvGrpSpPr>
+        <p:cNvPr id="1" name=""/>
+        <p:cNvGrpSpPr/>
+        <p:nvPr/>
+      </p:nvGrpSpPr>
+      <p:grpSpPr>
+        <a:xfrm>
+          <a:off x="0" y="0"/>
+          <a:ext cx="0" cy="0"/>
+          <a:chOff x="0" y="0"/>
+          <a:chExt cx="0" cy="0"/>
+        </a:xfrm>
+      </p:grpSpPr>
+      <p:sp>
+        <p:nvSpPr>
+          <p:cNvPr id="2" name="タイトル 1"/>
+          <p:cNvSpPr>
+            <a:spLocks noGrp="1"/>
+          </p:cNvSpPr>
+          <p:nvPr>
+            <p:ph type="title"/>
+          </p:nvPr>
+        </p:nvSpPr>
+        <p:spPr/>
+        <p:txBody>
+          <a:bodyPr/>
+          <a:lstStyle/>
+          <a:p>
+            <a:r>
+              <a:rPr kumimoji="1" lang="en-US" altLang="ja-JP" dirty="0" smtClean="0"/>
+              <a:t>FAQ</a:t>
+            </a:r>
+            <a:endParaRPr kumimoji="1" lang="ja-JP" altLang="en-US" dirty="0"/>
+          </a:p>
+        </p:txBody>
+      </p:sp>
+      <p:sp>
+        <p:nvSpPr>
+          <p:cNvPr id="4" name="テキスト ボックス 3"/>
+          <p:cNvSpPr txBox="1"/>
+          <p:nvPr/>
+        </p:nvSpPr>
+        <p:spPr>
+          <a:xfrm>
+            <a:off x="771117" y="957262"/>
+            <a:ext cx="7615237" cy="923330"/>
+          </a:xfrm>
+          <a:prstGeom prst="rect">
+            <a:avLst/>
+          </a:prstGeom>
+          <a:noFill/>
+        </p:spPr>
+        <p:txBody>
+          <a:bodyPr wrap="square" rtlCol="0">
+            <a:spAutoFit/>
+          </a:bodyPr>
+          <a:lstStyle/>
+          <a:p>
+            <a:pPr marL="342900" indent="-342900">
+              <a:buFont typeface="+mj-lt"/>
+              <a:buAutoNum type="arabicPeriod"/>
+            </a:pPr>
+            <a:r>
+              <a:rPr kumimoji="1" lang="en-US" altLang="ja-JP" dirty="0" smtClean="0"/>
+              <a:t>How </a:t>
+            </a:r>
+            <a:r>
+              <a:rPr kumimoji="1" lang="en-US" altLang="ja-JP" dirty="0" smtClean="0"/>
+              <a:t>can I change the color?</a:t>
+            </a:r>
+          </a:p>
+          <a:p>
+            <a:pPr marL="342900" indent="-342900">
+              <a:buFont typeface="+mj-lt"/>
+              <a:buAutoNum type="arabicPeriod"/>
+            </a:pPr>
+            <a:endParaRPr kumimoji="1" lang="en-US" altLang="ja-JP" dirty="0" smtClean="0"/>
+          </a:p>
+          <a:p>
+            <a:pPr marL="342900" indent="-342900">
+              <a:buFont typeface="+mj-lt"/>
+              <a:buAutoNum type="arabicPeriod"/>
+            </a:pPr>
+            <a:r>
+              <a:rPr kumimoji="1" lang="en-US" altLang="ja-JP" dirty="0" err="1" smtClean="0"/>
+              <a:t>Commons.math</a:t>
+            </a:r>
+            <a:endParaRPr kumimoji="1" lang="en-US" altLang="ja-JP" dirty="0" smtClean="0"/>
+          </a:p>
+        </p:txBody>
+      </p:sp>
+    </p:spTree>
+    <p:extLst>
+      <p:ext uri="{BB962C8B-B14F-4D97-AF65-F5344CB8AC3E}">
+        <p14:creationId xmlns:p14="http://schemas.microsoft.com/office/powerpoint/2010/main" val="917103730"/>
+      </p:ext>
+    </p:extLst>
+  </p:cSld>
+  <p:clrMapOvr>
+    <a:masterClrMapping/>
+  </p:clrMapOvr>
 </p:sld>
 </file>
 

--- a/doc/JSindo/usage.pptx
+++ b/doc/JSindo/usage.pptx
@@ -268,7 +268,7 @@
           <a:p>
             <a:fld id="{71D277D7-4148-D542-93DC-F1390B661C12}" type="datetimeFigureOut">
               <a:rPr kumimoji="1" lang="ja-JP" altLang="en-US" smtClean="0"/>
-              <a:t>2018/4/14</a:t>
+              <a:t>2018/9/20</a:t>
             </a:fld>
             <a:endParaRPr kumimoji="1" lang="ja-JP" altLang="en-US"/>
           </a:p>
@@ -465,7 +465,7 @@
           <a:p>
             <a:fld id="{71D277D7-4148-D542-93DC-F1390B661C12}" type="datetimeFigureOut">
               <a:rPr kumimoji="1" lang="ja-JP" altLang="en-US" smtClean="0"/>
-              <a:t>2018/4/14</a:t>
+              <a:t>2018/9/20</a:t>
             </a:fld>
             <a:endParaRPr kumimoji="1" lang="ja-JP" altLang="en-US"/>
           </a:p>
@@ -672,7 +672,7 @@
           <a:p>
             <a:fld id="{71D277D7-4148-D542-93DC-F1390B661C12}" type="datetimeFigureOut">
               <a:rPr kumimoji="1" lang="ja-JP" altLang="en-US" smtClean="0"/>
-              <a:t>2018/4/14</a:t>
+              <a:t>2018/9/20</a:t>
             </a:fld>
             <a:endParaRPr kumimoji="1" lang="ja-JP" altLang="en-US"/>
           </a:p>
@@ -869,7 +869,7 @@
           <a:p>
             <a:fld id="{71D277D7-4148-D542-93DC-F1390B661C12}" type="datetimeFigureOut">
               <a:rPr kumimoji="1" lang="ja-JP" altLang="en-US" smtClean="0"/>
-              <a:t>2018/4/14</a:t>
+              <a:t>2018/9/20</a:t>
             </a:fld>
             <a:endParaRPr kumimoji="1" lang="ja-JP" altLang="en-US"/>
           </a:p>
@@ -1108,7 +1108,7 @@
           <a:p>
             <a:fld id="{71D277D7-4148-D542-93DC-F1390B661C12}" type="datetimeFigureOut">
               <a:rPr kumimoji="1" lang="ja-JP" altLang="en-US" smtClean="0"/>
-              <a:t>2018/4/14</a:t>
+              <a:t>2018/9/20</a:t>
             </a:fld>
             <a:endParaRPr kumimoji="1" lang="ja-JP" altLang="en-US"/>
           </a:p>
@@ -1399,7 +1399,7 @@
           <a:p>
             <a:fld id="{71D277D7-4148-D542-93DC-F1390B661C12}" type="datetimeFigureOut">
               <a:rPr kumimoji="1" lang="ja-JP" altLang="en-US" smtClean="0"/>
-              <a:t>2018/4/14</a:t>
+              <a:t>2018/9/20</a:t>
             </a:fld>
             <a:endParaRPr kumimoji="1" lang="ja-JP" altLang="en-US"/>
           </a:p>
@@ -1825,7 +1825,7 @@
           <a:p>
             <a:fld id="{71D277D7-4148-D542-93DC-F1390B661C12}" type="datetimeFigureOut">
               <a:rPr kumimoji="1" lang="ja-JP" altLang="en-US" smtClean="0"/>
-              <a:t>2018/4/14</a:t>
+              <a:t>2018/9/20</a:t>
             </a:fld>
             <a:endParaRPr kumimoji="1" lang="ja-JP" altLang="en-US"/>
           </a:p>
@@ -1938,7 +1938,7 @@
           <a:p>
             <a:fld id="{71D277D7-4148-D542-93DC-F1390B661C12}" type="datetimeFigureOut">
               <a:rPr kumimoji="1" lang="ja-JP" altLang="en-US" smtClean="0"/>
-              <a:t>2018/4/14</a:t>
+              <a:t>2018/9/20</a:t>
             </a:fld>
             <a:endParaRPr kumimoji="1" lang="ja-JP" altLang="en-US"/>
           </a:p>
@@ -2028,7 +2028,7 @@
           <a:p>
             <a:fld id="{71D277D7-4148-D542-93DC-F1390B661C12}" type="datetimeFigureOut">
               <a:rPr kumimoji="1" lang="ja-JP" altLang="en-US" smtClean="0"/>
-              <a:t>2018/4/14</a:t>
+              <a:t>2018/9/20</a:t>
             </a:fld>
             <a:endParaRPr kumimoji="1" lang="ja-JP" altLang="en-US"/>
           </a:p>
@@ -2332,7 +2332,7 @@
           <a:p>
             <a:fld id="{71D277D7-4148-D542-93DC-F1390B661C12}" type="datetimeFigureOut">
               <a:rPr kumimoji="1" lang="ja-JP" altLang="en-US" smtClean="0"/>
-              <a:t>2018/4/14</a:t>
+              <a:t>2018/9/20</a:t>
             </a:fld>
             <a:endParaRPr kumimoji="1" lang="ja-JP" altLang="en-US"/>
           </a:p>
@@ -2584,7 +2584,7 @@
           <a:p>
             <a:fld id="{71D277D7-4148-D542-93DC-F1390B661C12}" type="datetimeFigureOut">
               <a:rPr kumimoji="1" lang="ja-JP" altLang="en-US" smtClean="0"/>
-              <a:t>2018/4/14</a:t>
+              <a:t>2018/9/20</a:t>
             </a:fld>
             <a:endParaRPr kumimoji="1" lang="ja-JP" altLang="en-US"/>
           </a:p>
@@ -2824,7 +2824,7 @@
           <a:p>
             <a:fld id="{71D277D7-4148-D542-93DC-F1390B661C12}" type="datetimeFigureOut">
               <a:rPr kumimoji="1" lang="ja-JP" altLang="en-US" smtClean="0"/>
-              <a:t>2018/4/14</a:t>
+              <a:t>2018/9/20</a:t>
             </a:fld>
             <a:endParaRPr kumimoji="1" lang="ja-JP" altLang="en-US"/>
           </a:p>
@@ -3305,8 +3305,8 @@
           <a:p>
             <a:pPr algn="ctr"/>
             <a:r>
-              <a:rPr kumimoji="1" lang="en-US" altLang="ja-JP" dirty="0" smtClean="0"/>
-              <a:t>2018/04/14</a:t>
+              <a:rPr kumimoji="1" lang="en-US" altLang="ja-JP" smtClean="0"/>
+              <a:t>2018/09/20</a:t>
             </a:r>
             <a:endParaRPr kumimoji="1" lang="ja-JP" altLang="en-US" dirty="0"/>
           </a:p>
@@ -6335,7 +6335,7 @@
         <p:spPr>
           <a:xfrm>
             <a:off x="558801" y="5181600"/>
-            <a:ext cx="8051800" cy="1200329"/>
+            <a:ext cx="8240954" cy="1200329"/>
           </a:xfrm>
           <a:prstGeom prst="rect">
             <a:avLst/>
@@ -6382,19 +6382,7 @@
             </a:r>
             <a:r>
               <a:rPr lang="en-US" altLang="ja-JP" dirty="0" smtClean="0"/>
-              <a:t>file and show the </a:t>
-            </a:r>
-            <a:r>
-              <a:rPr lang="en-US" altLang="ja-JP" dirty="0" smtClean="0"/>
-              <a:t>molecule. Note, however</a:t>
-            </a:r>
-            <a:r>
-              <a:rPr lang="en-US" altLang="ja-JP" dirty="0" smtClean="0"/>
-              <a:t>, </a:t>
-            </a:r>
-            <a:r>
-              <a:rPr lang="en-US" altLang="ja-JP" dirty="0" smtClean="0"/>
-              <a:t>that some functions may become </a:t>
+              <a:t>file and show the molecule. Note, however, that some functions may become </a:t>
             </a:r>
             <a:r>
               <a:rPr lang="en-US" altLang="ja-JP" dirty="0" err="1" smtClean="0"/>
@@ -6402,11 +6390,7 @@
             </a:r>
             <a:r>
               <a:rPr lang="en-US" altLang="ja-JP" dirty="0" smtClean="0"/>
-              <a:t>. </a:t>
-            </a:r>
-            <a:r>
-              <a:rPr lang="en-US" altLang="ja-JP" dirty="0" smtClean="0"/>
-              <a:t>For example, ”Harmonic Analysis” is not feasible without Hessian. Also, infrared intensity don’t appear without dipole derivatives.</a:t>
+              <a:t>. For example, ”Harmonic Analysis” is not feasible without Hessian. Also, infrared intensity don’t appear without dipole derivatives.</a:t>
             </a:r>
             <a:endParaRPr lang="ja-JP" altLang="en-US" dirty="0"/>
           </a:p>
@@ -6470,11 +6454,7 @@
             </a:r>
             <a:r>
               <a:rPr lang="en-US" altLang="ja-JP" sz="2400" u="sng" smtClean="0"/>
-              <a:t>Data </a:t>
-            </a:r>
-            <a:r>
-              <a:rPr lang="en-US" altLang="ja-JP" sz="2400" u="sng" smtClean="0"/>
-              <a:t>]</a:t>
+              <a:t>Data ]</a:t>
             </a:r>
             <a:endParaRPr kumimoji="1" lang="ja-JP" altLang="en-US" sz="2400" u="sng" dirty="0"/>
           </a:p>
@@ -9359,8 +9339,8 @@
         </p:nvSpPr>
         <p:spPr>
           <a:xfrm>
-            <a:off x="400050" y="5688080"/>
-            <a:ext cx="8372475" cy="830997"/>
+            <a:off x="400050" y="6075355"/>
+            <a:ext cx="8372475" cy="584775"/>
           </a:xfrm>
           <a:prstGeom prst="rect">
             <a:avLst/>
@@ -9383,7 +9363,7 @@
             </a:r>
             <a:r>
               <a:rPr lang="en-US" altLang="ja-JP" sz="1600" dirty="0" smtClean="0"/>
-              <a:t>”. Also, the size of arrows can be changed with a slider. Note that the slider adjusts both length and thickness with a fixed ratio.</a:t>
+              <a:t>”. Also, the size of arrows can be changed with a slider. </a:t>
             </a:r>
             <a:endParaRPr lang="ja-JP" altLang="en-US" sz="1600" dirty="0"/>
           </a:p>
@@ -9397,7 +9377,7 @@
         </p:nvSpPr>
         <p:spPr>
           <a:xfrm>
-            <a:off x="360634" y="4918623"/>
+            <a:off x="360634" y="5252110"/>
             <a:ext cx="8140430" cy="584775"/>
           </a:xfrm>
           <a:prstGeom prst="rect">
@@ -9443,29 +9423,59 @@
           </a:p>
         </p:txBody>
       </p:sp>
+      <p:sp>
+        <p:nvSpPr>
+          <p:cNvPr id="21" name="テキスト ボックス 20"/>
+          <p:cNvSpPr txBox="1"/>
+          <p:nvPr/>
+        </p:nvSpPr>
+        <p:spPr>
+          <a:xfrm>
+            <a:off x="391885" y="332506"/>
+            <a:ext cx="3755772" cy="461665"/>
+          </a:xfrm>
+          <a:prstGeom prst="rect">
+            <a:avLst/>
+          </a:prstGeom>
+          <a:noFill/>
+        </p:spPr>
+        <p:txBody>
+          <a:bodyPr wrap="none" rtlCol="0">
+            <a:spAutoFit/>
+          </a:bodyPr>
+          <a:lstStyle/>
+          <a:p>
+            <a:r>
+              <a:rPr kumimoji="1" lang="en-US" altLang="ja-JP" sz="2400" u="sng" dirty="0" smtClean="0"/>
+              <a:t>1.2. Visualize normal modes</a:t>
+            </a:r>
+            <a:endParaRPr kumimoji="1" lang="ja-JP" altLang="en-US" sz="2400" u="sng" dirty="0"/>
+          </a:p>
+        </p:txBody>
+      </p:sp>
       <p:grpSp>
         <p:nvGrpSpPr>
-          <p:cNvPr id="36" name="図形グループ 35"/>
+          <p:cNvPr id="15" name="図形グループ 14"/>
           <p:cNvGrpSpPr/>
           <p:nvPr/>
         </p:nvGrpSpPr>
         <p:grpSpPr>
           <a:xfrm>
-            <a:off x="586607" y="2948243"/>
-            <a:ext cx="7639752" cy="1820098"/>
-            <a:chOff x="586607" y="2752730"/>
-            <a:chExt cx="7639752" cy="1820098"/>
+            <a:off x="586607" y="2904564"/>
+            <a:ext cx="7639752" cy="2310744"/>
+            <a:chOff x="586607" y="2904564"/>
+            <a:chExt cx="7639752" cy="2310744"/>
           </a:xfrm>
         </p:grpSpPr>
         <p:pic>
           <p:nvPicPr>
-            <p:cNvPr id="12" name="図 11"/>
+            <p:cNvPr id="3" name="図 2"/>
             <p:cNvPicPr>
               <a:picLocks noChangeAspect="1"/>
             </p:cNvPicPr>
             <p:nvPr/>
           </p:nvPicPr>
-          <p:blipFill rotWithShape="1">
+          <p:blipFill>
             <a:blip r:embed="rId2">
               <a:extLst>
                 <a:ext uri="{28A0092B-C50C-407E-A947-70E740481C1C}">
@@ -9473,13 +9483,14 @@
                 </a:ext>
               </a:extLst>
             </a:blip>
-            <a:srcRect l="444" b="1061"/>
-            <a:stretch/>
+            <a:stretch>
+              <a:fillRect/>
+            </a:stretch>
           </p:blipFill>
           <p:spPr>
             <a:xfrm>
-              <a:off x="3678969" y="2760392"/>
-              <a:ext cx="2250238" cy="1793140"/>
+              <a:off x="3694861" y="2904564"/>
+              <a:ext cx="2232603" cy="2310744"/>
             </a:xfrm>
             <a:prstGeom prst="rect">
               <a:avLst/>
@@ -9499,7 +9510,7 @@
           </p:nvSpPr>
           <p:spPr>
             <a:xfrm>
-              <a:off x="5244497" y="3753228"/>
+              <a:off x="5266012" y="3948741"/>
               <a:ext cx="590225" cy="369332"/>
             </a:xfrm>
             <a:prstGeom prst="rect">
@@ -9515,10 +9526,26 @@
             <a:p>
               <a:pPr algn="ctr"/>
               <a:r>
-                <a:rPr kumimoji="1" lang="en-US" altLang="ja-JP" dirty="0" smtClean="0"/>
+                <a:rPr kumimoji="1" lang="en-US" altLang="ja-JP" dirty="0" smtClean="0">
+                  <a:effectLst>
+                    <a:glow rad="101600">
+                      <a:schemeClr val="bg1">
+                        <a:alpha val="60000"/>
+                      </a:schemeClr>
+                    </a:glow>
+                  </a:effectLst>
+                </a:rPr>
                 <a:t>click</a:t>
               </a:r>
-              <a:endParaRPr kumimoji="1" lang="ja-JP" altLang="en-US" dirty="0"/>
+              <a:endParaRPr kumimoji="1" lang="ja-JP" altLang="en-US" dirty="0">
+                <a:effectLst>
+                  <a:glow rad="101600">
+                    <a:schemeClr val="bg1">
+                      <a:alpha val="60000"/>
+                    </a:schemeClr>
+                  </a:glow>
+                </a:effectLst>
+              </a:endParaRPr>
             </a:p>
           </p:txBody>
         </p:sp>
@@ -9530,7 +9557,7 @@
           </p:nvSpPr>
           <p:spPr>
             <a:xfrm>
-              <a:off x="3639903" y="3655076"/>
+              <a:off x="3639903" y="3850589"/>
               <a:ext cx="2292805" cy="140721"/>
             </a:xfrm>
             <a:prstGeom prst="rect">
@@ -9577,7 +9604,7 @@
           </p:nvCxnSpPr>
           <p:spPr>
             <a:xfrm>
-              <a:off x="5924248" y="3738754"/>
+              <a:off x="5924248" y="3934267"/>
               <a:ext cx="442078" cy="0"/>
             </a:xfrm>
             <a:prstGeom prst="straightConnector1">
@@ -9613,7 +9640,7 @@
           </p:nvGrpSpPr>
           <p:grpSpPr>
             <a:xfrm>
-              <a:off x="586607" y="2788415"/>
+              <a:off x="586607" y="2983928"/>
               <a:ext cx="2716423" cy="1011813"/>
               <a:chOff x="843226" y="3816287"/>
               <a:chExt cx="2716423" cy="1011813"/>
@@ -9756,7 +9783,7 @@
           </p:nvCxnSpPr>
           <p:spPr>
             <a:xfrm>
-              <a:off x="1956441" y="3453663"/>
+              <a:off x="1956441" y="3649176"/>
               <a:ext cx="1693115" cy="0"/>
             </a:xfrm>
             <a:prstGeom prst="straightConnector1">
@@ -9806,7 +9833,7 @@
           </p:blipFill>
           <p:spPr>
             <a:xfrm>
-              <a:off x="6389198" y="2752730"/>
+              <a:off x="6389198" y="2948243"/>
               <a:ext cx="1837161" cy="1820098"/>
             </a:xfrm>
             <a:prstGeom prst="rect">
@@ -9827,7 +9854,7 @@
           </p:nvCxnSpPr>
           <p:spPr>
             <a:xfrm flipV="1">
-              <a:off x="3321844" y="4360961"/>
+              <a:off x="3321844" y="4642535"/>
               <a:ext cx="352232" cy="4698"/>
             </a:xfrm>
             <a:prstGeom prst="straightConnector1">
@@ -9863,7 +9890,7 @@
           </p:nvSpPr>
           <p:spPr>
             <a:xfrm>
-              <a:off x="4793128" y="4141268"/>
+              <a:off x="5148130" y="4455115"/>
               <a:ext cx="697627" cy="369332"/>
             </a:xfrm>
             <a:prstGeom prst="rect">
@@ -9893,7 +9920,7 @@
           </p:nvSpPr>
           <p:spPr>
             <a:xfrm>
-              <a:off x="2315646" y="4144073"/>
+              <a:off x="2218827" y="4339586"/>
               <a:ext cx="1060355" cy="369332"/>
             </a:xfrm>
             <a:prstGeom prst="rect">
@@ -9923,8 +9950,80 @@
           </p:nvCxnSpPr>
           <p:spPr>
             <a:xfrm flipH="1">
-              <a:off x="4209965" y="4365455"/>
-              <a:ext cx="610229" cy="103464"/>
+              <a:off x="4823152" y="4647304"/>
+              <a:ext cx="319003" cy="156978"/>
+            </a:xfrm>
+            <a:prstGeom prst="straightConnector1">
+              <a:avLst/>
+            </a:prstGeom>
+            <a:ln w="28575">
+              <a:solidFill>
+                <a:srgbClr val="00B050"/>
+              </a:solidFill>
+              <a:tailEnd type="triangle"/>
+            </a:ln>
+          </p:spPr>
+          <p:style>
+            <a:lnRef idx="1">
+              <a:schemeClr val="accent1"/>
+            </a:lnRef>
+            <a:fillRef idx="0">
+              <a:schemeClr val="accent1"/>
+            </a:fillRef>
+            <a:effectRef idx="0">
+              <a:schemeClr val="accent1"/>
+            </a:effectRef>
+            <a:fontRef idx="minor">
+              <a:schemeClr val="tx1"/>
+            </a:fontRef>
+          </p:style>
+        </p:cxnSp>
+        <p:cxnSp>
+          <p:nvCxnSpPr>
+            <p:cNvPr id="23" name="直線矢印コネクタ 22"/>
+            <p:cNvCxnSpPr/>
+            <p:nvPr/>
+          </p:nvCxnSpPr>
+          <p:spPr>
+            <a:xfrm flipV="1">
+              <a:off x="3321844" y="4448897"/>
+              <a:ext cx="352232" cy="4698"/>
+            </a:xfrm>
+            <a:prstGeom prst="straightConnector1">
+              <a:avLst/>
+            </a:prstGeom>
+            <a:ln w="28575">
+              <a:solidFill>
+                <a:srgbClr val="00B050"/>
+              </a:solidFill>
+              <a:tailEnd type="triangle"/>
+            </a:ln>
+          </p:spPr>
+          <p:style>
+            <a:lnRef idx="1">
+              <a:schemeClr val="accent1"/>
+            </a:lnRef>
+            <a:fillRef idx="0">
+              <a:schemeClr val="accent1"/>
+            </a:fillRef>
+            <a:effectRef idx="0">
+              <a:schemeClr val="accent1"/>
+            </a:effectRef>
+            <a:fontRef idx="minor">
+              <a:schemeClr val="tx1"/>
+            </a:fontRef>
+          </p:style>
+        </p:cxnSp>
+        <p:cxnSp>
+          <p:nvCxnSpPr>
+            <p:cNvPr id="26" name="直線矢印コネクタ 25"/>
+            <p:cNvCxnSpPr/>
+            <p:nvPr/>
+          </p:nvCxnSpPr>
+          <p:spPr>
+            <a:xfrm flipH="1">
+              <a:off x="4823153" y="4744122"/>
+              <a:ext cx="351275" cy="296829"/>
             </a:xfrm>
             <a:prstGeom prst="straightConnector1">
               <a:avLst/>
@@ -9952,36 +10051,6 @@
           </p:style>
         </p:cxnSp>
       </p:grpSp>
-      <p:sp>
-        <p:nvSpPr>
-          <p:cNvPr id="21" name="テキスト ボックス 20"/>
-          <p:cNvSpPr txBox="1"/>
-          <p:nvPr/>
-        </p:nvSpPr>
-        <p:spPr>
-          <a:xfrm>
-            <a:off x="391885" y="332506"/>
-            <a:ext cx="3755772" cy="461665"/>
-          </a:xfrm>
-          <a:prstGeom prst="rect">
-            <a:avLst/>
-          </a:prstGeom>
-          <a:noFill/>
-        </p:spPr>
-        <p:txBody>
-          <a:bodyPr wrap="none" rtlCol="0">
-            <a:spAutoFit/>
-          </a:bodyPr>
-          <a:lstStyle/>
-          <a:p>
-            <a:r>
-              <a:rPr kumimoji="1" lang="en-US" altLang="ja-JP" sz="2400" u="sng" dirty="0" smtClean="0"/>
-              <a:t>1.2. Visualize normal modes</a:t>
-            </a:r>
-            <a:endParaRPr kumimoji="1" lang="ja-JP" altLang="en-US" sz="2400" u="sng" dirty="0"/>
-          </a:p>
-        </p:txBody>
-      </p:sp>
     </p:spTree>
     <p:extLst>
       <p:ext uri="{BB962C8B-B14F-4D97-AF65-F5344CB8AC3E}">
@@ -10842,7 +10911,7 @@
       </p:sp>
       <p:grpSp>
         <p:nvGrpSpPr>
-          <p:cNvPr id="23" name="図形グループ 22"/>
+          <p:cNvPr id="3" name="図形グループ 2"/>
           <p:cNvGrpSpPr/>
           <p:nvPr/>
         </p:nvGrpSpPr>
@@ -10850,10 +10919,44 @@
           <a:xfrm>
             <a:off x="936586" y="3718993"/>
             <a:ext cx="7159200" cy="2485220"/>
-            <a:chOff x="758166" y="4142740"/>
+            <a:chOff x="936586" y="3718993"/>
             <a:chExt cx="7159200" cy="2485220"/>
           </a:xfrm>
         </p:grpSpPr>
+        <p:pic>
+          <p:nvPicPr>
+            <p:cNvPr id="2" name="図 1"/>
+            <p:cNvPicPr>
+              <a:picLocks noChangeAspect="1"/>
+            </p:cNvPicPr>
+            <p:nvPr/>
+          </p:nvPicPr>
+          <p:blipFill rotWithShape="1">
+            <a:blip r:embed="rId2">
+              <a:extLst>
+                <a:ext uri="{28A0092B-C50C-407E-A947-70E740481C1C}">
+                  <a14:useLocalDpi xmlns:a14="http://schemas.microsoft.com/office/drawing/2010/main" val="0"/>
+                </a:ext>
+              </a:extLst>
+            </a:blip>
+            <a:srcRect l="711"/>
+            <a:stretch/>
+          </p:blipFill>
+          <p:spPr>
+            <a:xfrm>
+              <a:off x="3980329" y="3808207"/>
+              <a:ext cx="2270780" cy="1681306"/>
+            </a:xfrm>
+            <a:prstGeom prst="rect">
+              <a:avLst/>
+            </a:prstGeom>
+            <a:ln>
+              <a:solidFill>
+                <a:schemeClr val="tx1"/>
+              </a:solidFill>
+            </a:ln>
+          </p:spPr>
+        </p:pic>
         <p:sp>
           <p:nvSpPr>
             <p:cNvPr id="5" name="テキスト ボックス 4"/>
@@ -10862,7 +10965,7 @@
           </p:nvSpPr>
           <p:spPr>
             <a:xfrm>
-              <a:off x="765091" y="6043185"/>
+              <a:off x="943511" y="5619438"/>
               <a:ext cx="7152275" cy="584775"/>
             </a:xfrm>
             <a:prstGeom prst="rect">
@@ -10913,7 +11016,7 @@
             <p:nvPr/>
           </p:nvPicPr>
           <p:blipFill rotWithShape="1">
-            <a:blip r:embed="rId2">
+            <a:blip r:embed="rId3">
               <a:extLst>
                 <a:ext uri="{28A0092B-C50C-407E-A947-70E740481C1C}">
                   <a14:useLocalDpi xmlns:a14="http://schemas.microsoft.com/office/drawing/2010/main" val="0"/>
@@ -10925,7 +11028,7 @@
           </p:blipFill>
           <p:spPr bwMode="auto">
             <a:xfrm>
-              <a:off x="758166" y="4512085"/>
+              <a:off x="936586" y="4088338"/>
               <a:ext cx="2716423" cy="1011813"/>
             </a:xfrm>
             <a:prstGeom prst="rect">
@@ -10960,7 +11063,7 @@
             <p:nvPr/>
           </p:nvPicPr>
           <p:blipFill rotWithShape="1">
-            <a:blip r:embed="rId3">
+            <a:blip r:embed="rId4">
               <a:extLst>
                 <a:ext uri="{28A0092B-C50C-407E-A947-70E740481C1C}">
                   <a14:useLocalDpi xmlns:a14="http://schemas.microsoft.com/office/drawing/2010/main" val="0"/>
@@ -10972,7 +11075,7 @@
           </p:blipFill>
           <p:spPr>
             <a:xfrm>
-              <a:off x="1454543" y="4810770"/>
+              <a:off x="1632963" y="4387023"/>
               <a:ext cx="1098494" cy="262497"/>
             </a:xfrm>
             <a:prstGeom prst="rect">
@@ -10993,7 +11096,7 @@
           </p:nvSpPr>
           <p:spPr>
             <a:xfrm>
-              <a:off x="1520420" y="4797964"/>
+              <a:off x="1698840" y="4374217"/>
               <a:ext cx="897782" cy="159626"/>
             </a:xfrm>
             <a:prstGeom prst="rect">
@@ -11040,7 +11143,7 @@
           </p:nvCxnSpPr>
           <p:spPr>
             <a:xfrm>
-              <a:off x="2440236" y="4873227"/>
+              <a:off x="2618656" y="4449480"/>
               <a:ext cx="1279060" cy="1"/>
             </a:xfrm>
             <a:prstGeom prst="straightConnector1">
@@ -11070,41 +11173,6 @@
         </p:cxnSp>
         <p:pic>
           <p:nvPicPr>
-            <p:cNvPr id="21" name="図 20"/>
-            <p:cNvPicPr>
-              <a:picLocks noChangeAspect="1"/>
-            </p:cNvPicPr>
-            <p:nvPr/>
-          </p:nvPicPr>
-          <p:blipFill>
-            <a:blip r:embed="rId4">
-              <a:extLst>
-                <a:ext uri="{28A0092B-C50C-407E-A947-70E740481C1C}">
-                  <a14:useLocalDpi xmlns:a14="http://schemas.microsoft.com/office/drawing/2010/main" val="0"/>
-                </a:ext>
-              </a:extLst>
-            </a:blip>
-            <a:stretch>
-              <a:fillRect/>
-            </a:stretch>
-          </p:blipFill>
-          <p:spPr>
-            <a:xfrm>
-              <a:off x="3814960" y="4500880"/>
-              <a:ext cx="2248473" cy="1330960"/>
-            </a:xfrm>
-            <a:prstGeom prst="rect">
-              <a:avLst/>
-            </a:prstGeom>
-            <a:ln>
-              <a:solidFill>
-                <a:schemeClr val="tx1"/>
-              </a:solidFill>
-            </a:ln>
-          </p:spPr>
-        </p:pic>
-        <p:pic>
-          <p:nvPicPr>
             <p:cNvPr id="22" name="図 21"/>
             <p:cNvPicPr>
               <a:picLocks noChangeAspect="1"/>
@@ -11124,7 +11192,7 @@
           </p:blipFill>
           <p:spPr>
             <a:xfrm>
-              <a:off x="6228080" y="4142740"/>
+              <a:off x="6406500" y="3718993"/>
               <a:ext cx="1624332" cy="1861820"/>
             </a:xfrm>
             <a:prstGeom prst="rect">
